--- a/2019-09-XX ABP Framework/Presentation_ABP.pptx
+++ b/2019-09-XX ABP Framework/Presentation_ABP.pptx
@@ -7,7 +7,15 @@
   <p:sldIdLst>
     <p:sldId id="256" r:id="rId2"/>
     <p:sldId id="257" r:id="rId3"/>
-    <p:sldId id="258" r:id="rId4"/>
+    <p:sldId id="259" r:id="rId4"/>
+    <p:sldId id="258" r:id="rId5"/>
+    <p:sldId id="260" r:id="rId6"/>
+    <p:sldId id="261" r:id="rId7"/>
+    <p:sldId id="262" r:id="rId8"/>
+    <p:sldId id="263" r:id="rId9"/>
+    <p:sldId id="264" r:id="rId10"/>
+    <p:sldId id="265" r:id="rId11"/>
+    <p:sldId id="266" r:id="rId12"/>
   </p:sldIdLst>
   <p:sldSz cx="12192000" cy="6858000"/>
   <p:notesSz cx="6858000" cy="9144000"/>
@@ -106,6 +114,11 @@
       </a:defRPr>
     </a:lvl9pPr>
   </p:defaultTextStyle>
+  <p:extLst>
+    <p:ext uri="{EFAFB233-063F-42B5-8137-9DF3F51BA10A}">
+      <p15:sldGuideLst xmlns:p15="http://schemas.microsoft.com/office/powerpoint/2012/main"/>
+    </p:ext>
+  </p:extLst>
 </p:presentation>
 </file>
 
@@ -256,7 +269,7 @@
           <a:p>
             <a:fld id="{D6A0FA09-2006-40F8-BFEA-A3D894027D28}" type="datetimeFigureOut">
               <a:rPr lang="en-US" smtClean="0"/>
-              <a:t>31-Aug-19</a:t>
+              <a:t>01-Sep-19</a:t>
             </a:fld>
             <a:endParaRPr lang="en-US"/>
           </a:p>
@@ -454,7 +467,7 @@
           <a:p>
             <a:fld id="{D6A0FA09-2006-40F8-BFEA-A3D894027D28}" type="datetimeFigureOut">
               <a:rPr lang="en-US" smtClean="0"/>
-              <a:t>31-Aug-19</a:t>
+              <a:t>01-Sep-19</a:t>
             </a:fld>
             <a:endParaRPr lang="en-US"/>
           </a:p>
@@ -662,7 +675,7 @@
           <a:p>
             <a:fld id="{D6A0FA09-2006-40F8-BFEA-A3D894027D28}" type="datetimeFigureOut">
               <a:rPr lang="en-US" smtClean="0"/>
-              <a:t>31-Aug-19</a:t>
+              <a:t>01-Sep-19</a:t>
             </a:fld>
             <a:endParaRPr lang="en-US"/>
           </a:p>
@@ -860,7 +873,7 @@
           <a:p>
             <a:fld id="{D6A0FA09-2006-40F8-BFEA-A3D894027D28}" type="datetimeFigureOut">
               <a:rPr lang="en-US" smtClean="0"/>
-              <a:t>31-Aug-19</a:t>
+              <a:t>01-Sep-19</a:t>
             </a:fld>
             <a:endParaRPr lang="en-US"/>
           </a:p>
@@ -1135,7 +1148,7 @@
           <a:p>
             <a:fld id="{D6A0FA09-2006-40F8-BFEA-A3D894027D28}" type="datetimeFigureOut">
               <a:rPr lang="en-US" smtClean="0"/>
-              <a:t>31-Aug-19</a:t>
+              <a:t>01-Sep-19</a:t>
             </a:fld>
             <a:endParaRPr lang="en-US"/>
           </a:p>
@@ -1400,7 +1413,7 @@
           <a:p>
             <a:fld id="{D6A0FA09-2006-40F8-BFEA-A3D894027D28}" type="datetimeFigureOut">
               <a:rPr lang="en-US" smtClean="0"/>
-              <a:t>31-Aug-19</a:t>
+              <a:t>01-Sep-19</a:t>
             </a:fld>
             <a:endParaRPr lang="en-US"/>
           </a:p>
@@ -1812,7 +1825,7 @@
           <a:p>
             <a:fld id="{D6A0FA09-2006-40F8-BFEA-A3D894027D28}" type="datetimeFigureOut">
               <a:rPr lang="en-US" smtClean="0"/>
-              <a:t>31-Aug-19</a:t>
+              <a:t>01-Sep-19</a:t>
             </a:fld>
             <a:endParaRPr lang="en-US"/>
           </a:p>
@@ -1953,7 +1966,7 @@
           <a:p>
             <a:fld id="{D6A0FA09-2006-40F8-BFEA-A3D894027D28}" type="datetimeFigureOut">
               <a:rPr lang="en-US" smtClean="0"/>
-              <a:t>31-Aug-19</a:t>
+              <a:t>01-Sep-19</a:t>
             </a:fld>
             <a:endParaRPr lang="en-US"/>
           </a:p>
@@ -2066,7 +2079,7 @@
           <a:p>
             <a:fld id="{D6A0FA09-2006-40F8-BFEA-A3D894027D28}" type="datetimeFigureOut">
               <a:rPr lang="en-US" smtClean="0"/>
-              <a:t>31-Aug-19</a:t>
+              <a:t>01-Sep-19</a:t>
             </a:fld>
             <a:endParaRPr lang="en-US"/>
           </a:p>
@@ -2377,7 +2390,7 @@
           <a:p>
             <a:fld id="{D6A0FA09-2006-40F8-BFEA-A3D894027D28}" type="datetimeFigureOut">
               <a:rPr lang="en-US" smtClean="0"/>
-              <a:t>31-Aug-19</a:t>
+              <a:t>01-Sep-19</a:t>
             </a:fld>
             <a:endParaRPr lang="en-US"/>
           </a:p>
@@ -2665,7 +2678,7 @@
           <a:p>
             <a:fld id="{D6A0FA09-2006-40F8-BFEA-A3D894027D28}" type="datetimeFigureOut">
               <a:rPr lang="en-US" smtClean="0"/>
-              <a:t>31-Aug-19</a:t>
+              <a:t>01-Sep-19</a:t>
             </a:fld>
             <a:endParaRPr lang="en-US"/>
           </a:p>
@@ -2906,7 +2919,7 @@
           <a:p>
             <a:fld id="{D6A0FA09-2006-40F8-BFEA-A3D894027D28}" type="datetimeFigureOut">
               <a:rPr lang="en-US" smtClean="0"/>
-              <a:t>31-Aug-19</a:t>
+              <a:t>01-Sep-19</a:t>
             </a:fld>
             <a:endParaRPr lang="en-US"/>
           </a:p>
@@ -3426,6 +3439,604 @@
 </p:sld>
 </file>
 
+<file path=ppt/slides/slide10.xml><?xml version="1.0" encoding="utf-8"?>
+<p:sld xmlns:a="http://schemas.openxmlformats.org/drawingml/2006/main" xmlns:r="http://schemas.openxmlformats.org/officeDocument/2006/relationships" xmlns:p="http://schemas.openxmlformats.org/presentationml/2006/main">
+  <p:cSld>
+    <p:spTree>
+      <p:nvGrpSpPr>
+        <p:cNvPr id="1" name=""/>
+        <p:cNvGrpSpPr/>
+        <p:nvPr/>
+      </p:nvGrpSpPr>
+      <p:grpSpPr>
+        <a:xfrm>
+          <a:off x="0" y="0"/>
+          <a:ext cx="0" cy="0"/>
+          <a:chOff x="0" y="0"/>
+          <a:chExt cx="0" cy="0"/>
+        </a:xfrm>
+      </p:grpSpPr>
+      <p:sp>
+        <p:nvSpPr>
+          <p:cNvPr id="2" name="Title 1">
+            <a:extLst>
+              <a:ext uri="{FF2B5EF4-FFF2-40B4-BE49-F238E27FC236}">
+                <a16:creationId xmlns:a16="http://schemas.microsoft.com/office/drawing/2014/main" id="{47950CF6-8856-4921-97FA-B962872BA69E}"/>
+              </a:ext>
+            </a:extLst>
+          </p:cNvPr>
+          <p:cNvSpPr>
+            <a:spLocks noGrp="1"/>
+          </p:cNvSpPr>
+          <p:nvPr>
+            <p:ph type="title"/>
+          </p:nvPr>
+        </p:nvSpPr>
+        <p:spPr>
+          <a:xfrm>
+            <a:off x="4138551" y="365125"/>
+            <a:ext cx="7529945" cy="1048039"/>
+          </a:xfrm>
+        </p:spPr>
+        <p:txBody>
+          <a:bodyPr>
+            <a:normAutofit/>
+          </a:bodyPr>
+          <a:lstStyle/>
+          <a:p>
+            <a:r>
+              <a:rPr lang="en-US" sz="3200" dirty="0"/>
+              <a:t>Title</a:t>
+            </a:r>
+          </a:p>
+        </p:txBody>
+      </p:sp>
+      <p:pic>
+        <p:nvPicPr>
+          <p:cNvPr id="6" name="Content Placeholder 5">
+            <a:extLst>
+              <a:ext uri="{FF2B5EF4-FFF2-40B4-BE49-F238E27FC236}">
+                <a16:creationId xmlns:a16="http://schemas.microsoft.com/office/drawing/2014/main" id="{83451317-A204-4729-A427-EBDB9F2FB993}"/>
+              </a:ext>
+            </a:extLst>
+          </p:cNvPr>
+          <p:cNvPicPr>
+            <a:picLocks noGrp="1" noChangeAspect="1"/>
+          </p:cNvPicPr>
+          <p:nvPr>
+            <p:ph idx="1"/>
+          </p:nvPr>
+        </p:nvPicPr>
+        <p:blipFill>
+          <a:blip r:embed="rId2">
+            <a:extLst>
+              <a:ext uri="{28A0092B-C50C-407E-A947-70E740481C1C}">
+                <a14:useLocalDpi xmlns:a14="http://schemas.microsoft.com/office/drawing/2010/main" val="0"/>
+              </a:ext>
+            </a:extLst>
+          </a:blip>
+          <a:stretch>
+            <a:fillRect/>
+          </a:stretch>
+        </p:blipFill>
+        <p:spPr>
+          <a:xfrm>
+            <a:off x="523504" y="483528"/>
+            <a:ext cx="3169722" cy="811232"/>
+          </a:xfrm>
+        </p:spPr>
+      </p:pic>
+      <p:sp>
+        <p:nvSpPr>
+          <p:cNvPr id="8" name="Content Placeholder 2">
+            <a:extLst>
+              <a:ext uri="{FF2B5EF4-FFF2-40B4-BE49-F238E27FC236}">
+                <a16:creationId xmlns:a16="http://schemas.microsoft.com/office/drawing/2014/main" id="{A92399CC-EFF6-4058-89C7-4D020BCBC9F2}"/>
+              </a:ext>
+            </a:extLst>
+          </p:cNvPr>
+          <p:cNvSpPr txBox="1">
+            <a:spLocks/>
+          </p:cNvSpPr>
+          <p:nvPr/>
+        </p:nvSpPr>
+        <p:spPr>
+          <a:xfrm>
+            <a:off x="838200" y="1825625"/>
+            <a:ext cx="10830296" cy="4351338"/>
+          </a:xfrm>
+          <a:prstGeom prst="rect">
+            <a:avLst/>
+          </a:prstGeom>
+        </p:spPr>
+        <p:txBody>
+          <a:bodyPr vert="horz" lIns="91440" tIns="45720" rIns="91440" bIns="45720" rtlCol="0">
+            <a:normAutofit/>
+          </a:bodyPr>
+          <a:lstStyle>
+            <a:lvl1pPr marL="228600" indent="-228600" algn="l" defTabSz="914400" rtl="0" eaLnBrk="1" latinLnBrk="0" hangingPunct="1">
+              <a:lnSpc>
+                <a:spcPct val="90000"/>
+              </a:lnSpc>
+              <a:spcBef>
+                <a:spcPts val="1000"/>
+              </a:spcBef>
+              <a:buFont typeface="Arial" panose="020B0604020202020204" pitchFamily="34" charset="0"/>
+              <a:buChar char="•"/>
+              <a:defRPr sz="2800" kern="1200">
+                <a:solidFill>
+                  <a:schemeClr val="tx1"/>
+                </a:solidFill>
+                <a:latin typeface="+mn-lt"/>
+                <a:ea typeface="+mn-ea"/>
+                <a:cs typeface="+mn-cs"/>
+              </a:defRPr>
+            </a:lvl1pPr>
+            <a:lvl2pPr marL="685800" indent="-228600" algn="l" defTabSz="914400" rtl="0" eaLnBrk="1" latinLnBrk="0" hangingPunct="1">
+              <a:lnSpc>
+                <a:spcPct val="90000"/>
+              </a:lnSpc>
+              <a:spcBef>
+                <a:spcPts val="500"/>
+              </a:spcBef>
+              <a:buFont typeface="Arial" panose="020B0604020202020204" pitchFamily="34" charset="0"/>
+              <a:buChar char="•"/>
+              <a:defRPr sz="2400" kern="1200">
+                <a:solidFill>
+                  <a:schemeClr val="tx1"/>
+                </a:solidFill>
+                <a:latin typeface="+mn-lt"/>
+                <a:ea typeface="+mn-ea"/>
+                <a:cs typeface="+mn-cs"/>
+              </a:defRPr>
+            </a:lvl2pPr>
+            <a:lvl3pPr marL="1143000" indent="-228600" algn="l" defTabSz="914400" rtl="0" eaLnBrk="1" latinLnBrk="0" hangingPunct="1">
+              <a:lnSpc>
+                <a:spcPct val="90000"/>
+              </a:lnSpc>
+              <a:spcBef>
+                <a:spcPts val="500"/>
+              </a:spcBef>
+              <a:buFont typeface="Arial" panose="020B0604020202020204" pitchFamily="34" charset="0"/>
+              <a:buChar char="•"/>
+              <a:defRPr sz="2000" kern="1200">
+                <a:solidFill>
+                  <a:schemeClr val="tx1"/>
+                </a:solidFill>
+                <a:latin typeface="+mn-lt"/>
+                <a:ea typeface="+mn-ea"/>
+                <a:cs typeface="+mn-cs"/>
+              </a:defRPr>
+            </a:lvl3pPr>
+            <a:lvl4pPr marL="1600200" indent="-228600" algn="l" defTabSz="914400" rtl="0" eaLnBrk="1" latinLnBrk="0" hangingPunct="1">
+              <a:lnSpc>
+                <a:spcPct val="90000"/>
+              </a:lnSpc>
+              <a:spcBef>
+                <a:spcPts val="500"/>
+              </a:spcBef>
+              <a:buFont typeface="Arial" panose="020B0604020202020204" pitchFamily="34" charset="0"/>
+              <a:buChar char="•"/>
+              <a:defRPr sz="1800" kern="1200">
+                <a:solidFill>
+                  <a:schemeClr val="tx1"/>
+                </a:solidFill>
+                <a:latin typeface="+mn-lt"/>
+                <a:ea typeface="+mn-ea"/>
+                <a:cs typeface="+mn-cs"/>
+              </a:defRPr>
+            </a:lvl4pPr>
+            <a:lvl5pPr marL="2057400" indent="-228600" algn="l" defTabSz="914400" rtl="0" eaLnBrk="1" latinLnBrk="0" hangingPunct="1">
+              <a:lnSpc>
+                <a:spcPct val="90000"/>
+              </a:lnSpc>
+              <a:spcBef>
+                <a:spcPts val="500"/>
+              </a:spcBef>
+              <a:buFont typeface="Arial" panose="020B0604020202020204" pitchFamily="34" charset="0"/>
+              <a:buChar char="•"/>
+              <a:defRPr sz="1800" kern="1200">
+                <a:solidFill>
+                  <a:schemeClr val="tx1"/>
+                </a:solidFill>
+                <a:latin typeface="+mn-lt"/>
+                <a:ea typeface="+mn-ea"/>
+                <a:cs typeface="+mn-cs"/>
+              </a:defRPr>
+            </a:lvl5pPr>
+            <a:lvl6pPr marL="2514600" indent="-228600" algn="l" defTabSz="914400" rtl="0" eaLnBrk="1" latinLnBrk="0" hangingPunct="1">
+              <a:lnSpc>
+                <a:spcPct val="90000"/>
+              </a:lnSpc>
+              <a:spcBef>
+                <a:spcPts val="500"/>
+              </a:spcBef>
+              <a:buFont typeface="Arial" panose="020B0604020202020204" pitchFamily="34" charset="0"/>
+              <a:buChar char="•"/>
+              <a:defRPr sz="1800" kern="1200">
+                <a:solidFill>
+                  <a:schemeClr val="tx1"/>
+                </a:solidFill>
+                <a:latin typeface="+mn-lt"/>
+                <a:ea typeface="+mn-ea"/>
+                <a:cs typeface="+mn-cs"/>
+              </a:defRPr>
+            </a:lvl6pPr>
+            <a:lvl7pPr marL="2971800" indent="-228600" algn="l" defTabSz="914400" rtl="0" eaLnBrk="1" latinLnBrk="0" hangingPunct="1">
+              <a:lnSpc>
+                <a:spcPct val="90000"/>
+              </a:lnSpc>
+              <a:spcBef>
+                <a:spcPts val="500"/>
+              </a:spcBef>
+              <a:buFont typeface="Arial" panose="020B0604020202020204" pitchFamily="34" charset="0"/>
+              <a:buChar char="•"/>
+              <a:defRPr sz="1800" kern="1200">
+                <a:solidFill>
+                  <a:schemeClr val="tx1"/>
+                </a:solidFill>
+                <a:latin typeface="+mn-lt"/>
+                <a:ea typeface="+mn-ea"/>
+                <a:cs typeface="+mn-cs"/>
+              </a:defRPr>
+            </a:lvl7pPr>
+            <a:lvl8pPr marL="3429000" indent="-228600" algn="l" defTabSz="914400" rtl="0" eaLnBrk="1" latinLnBrk="0" hangingPunct="1">
+              <a:lnSpc>
+                <a:spcPct val="90000"/>
+              </a:lnSpc>
+              <a:spcBef>
+                <a:spcPts val="500"/>
+              </a:spcBef>
+              <a:buFont typeface="Arial" panose="020B0604020202020204" pitchFamily="34" charset="0"/>
+              <a:buChar char="•"/>
+              <a:defRPr sz="1800" kern="1200">
+                <a:solidFill>
+                  <a:schemeClr val="tx1"/>
+                </a:solidFill>
+                <a:latin typeface="+mn-lt"/>
+                <a:ea typeface="+mn-ea"/>
+                <a:cs typeface="+mn-cs"/>
+              </a:defRPr>
+            </a:lvl8pPr>
+            <a:lvl9pPr marL="3886200" indent="-228600" algn="l" defTabSz="914400" rtl="0" eaLnBrk="1" latinLnBrk="0" hangingPunct="1">
+              <a:lnSpc>
+                <a:spcPct val="90000"/>
+              </a:lnSpc>
+              <a:spcBef>
+                <a:spcPts val="500"/>
+              </a:spcBef>
+              <a:buFont typeface="Arial" panose="020B0604020202020204" pitchFamily="34" charset="0"/>
+              <a:buChar char="•"/>
+              <a:defRPr sz="1800" kern="1200">
+                <a:solidFill>
+                  <a:schemeClr val="tx1"/>
+                </a:solidFill>
+                <a:latin typeface="+mn-lt"/>
+                <a:ea typeface="+mn-ea"/>
+                <a:cs typeface="+mn-cs"/>
+              </a:defRPr>
+            </a:lvl9pPr>
+          </a:lstStyle>
+          <a:p>
+            <a:r>
+              <a:rPr lang="en-US" dirty="0"/>
+              <a:t>…</a:t>
+            </a:r>
+          </a:p>
+        </p:txBody>
+      </p:sp>
+    </p:spTree>
+    <p:extLst>
+      <p:ext uri="{BB962C8B-B14F-4D97-AF65-F5344CB8AC3E}">
+        <p14:creationId xmlns:p14="http://schemas.microsoft.com/office/powerpoint/2010/main" val="1256399801"/>
+      </p:ext>
+    </p:extLst>
+  </p:cSld>
+  <p:clrMapOvr>
+    <a:masterClrMapping/>
+  </p:clrMapOvr>
+</p:sld>
+</file>
+
+<file path=ppt/slides/slide11.xml><?xml version="1.0" encoding="utf-8"?>
+<p:sld xmlns:a="http://schemas.openxmlformats.org/drawingml/2006/main" xmlns:r="http://schemas.openxmlformats.org/officeDocument/2006/relationships" xmlns:p="http://schemas.openxmlformats.org/presentationml/2006/main">
+  <p:cSld>
+    <p:spTree>
+      <p:nvGrpSpPr>
+        <p:cNvPr id="1" name=""/>
+        <p:cNvGrpSpPr/>
+        <p:nvPr/>
+      </p:nvGrpSpPr>
+      <p:grpSpPr>
+        <a:xfrm>
+          <a:off x="0" y="0"/>
+          <a:ext cx="0" cy="0"/>
+          <a:chOff x="0" y="0"/>
+          <a:chExt cx="0" cy="0"/>
+        </a:xfrm>
+      </p:grpSpPr>
+      <p:sp>
+        <p:nvSpPr>
+          <p:cNvPr id="2" name="Title 1">
+            <a:extLst>
+              <a:ext uri="{FF2B5EF4-FFF2-40B4-BE49-F238E27FC236}">
+                <a16:creationId xmlns:a16="http://schemas.microsoft.com/office/drawing/2014/main" id="{47950CF6-8856-4921-97FA-B962872BA69E}"/>
+              </a:ext>
+            </a:extLst>
+          </p:cNvPr>
+          <p:cNvSpPr>
+            <a:spLocks noGrp="1"/>
+          </p:cNvSpPr>
+          <p:nvPr>
+            <p:ph type="title"/>
+          </p:nvPr>
+        </p:nvSpPr>
+        <p:spPr>
+          <a:xfrm>
+            <a:off x="4138551" y="365125"/>
+            <a:ext cx="7529945" cy="1048039"/>
+          </a:xfrm>
+        </p:spPr>
+        <p:txBody>
+          <a:bodyPr>
+            <a:normAutofit/>
+          </a:bodyPr>
+          <a:lstStyle/>
+          <a:p>
+            <a:r>
+              <a:rPr lang="en-US" sz="3200" dirty="0"/>
+              <a:t>Title</a:t>
+            </a:r>
+          </a:p>
+        </p:txBody>
+      </p:sp>
+      <p:pic>
+        <p:nvPicPr>
+          <p:cNvPr id="6" name="Content Placeholder 5">
+            <a:extLst>
+              <a:ext uri="{FF2B5EF4-FFF2-40B4-BE49-F238E27FC236}">
+                <a16:creationId xmlns:a16="http://schemas.microsoft.com/office/drawing/2014/main" id="{83451317-A204-4729-A427-EBDB9F2FB993}"/>
+              </a:ext>
+            </a:extLst>
+          </p:cNvPr>
+          <p:cNvPicPr>
+            <a:picLocks noGrp="1" noChangeAspect="1"/>
+          </p:cNvPicPr>
+          <p:nvPr>
+            <p:ph idx="1"/>
+          </p:nvPr>
+        </p:nvPicPr>
+        <p:blipFill>
+          <a:blip r:embed="rId2">
+            <a:extLst>
+              <a:ext uri="{28A0092B-C50C-407E-A947-70E740481C1C}">
+                <a14:useLocalDpi xmlns:a14="http://schemas.microsoft.com/office/drawing/2010/main" val="0"/>
+              </a:ext>
+            </a:extLst>
+          </a:blip>
+          <a:stretch>
+            <a:fillRect/>
+          </a:stretch>
+        </p:blipFill>
+        <p:spPr>
+          <a:xfrm>
+            <a:off x="523504" y="483528"/>
+            <a:ext cx="3169722" cy="811232"/>
+          </a:xfrm>
+        </p:spPr>
+      </p:pic>
+      <p:sp>
+        <p:nvSpPr>
+          <p:cNvPr id="8" name="Content Placeholder 2">
+            <a:extLst>
+              <a:ext uri="{FF2B5EF4-FFF2-40B4-BE49-F238E27FC236}">
+                <a16:creationId xmlns:a16="http://schemas.microsoft.com/office/drawing/2014/main" id="{A92399CC-EFF6-4058-89C7-4D020BCBC9F2}"/>
+              </a:ext>
+            </a:extLst>
+          </p:cNvPr>
+          <p:cNvSpPr txBox="1">
+            <a:spLocks/>
+          </p:cNvSpPr>
+          <p:nvPr/>
+        </p:nvSpPr>
+        <p:spPr>
+          <a:xfrm>
+            <a:off x="838200" y="1825625"/>
+            <a:ext cx="10830296" cy="4351338"/>
+          </a:xfrm>
+          <a:prstGeom prst="rect">
+            <a:avLst/>
+          </a:prstGeom>
+        </p:spPr>
+        <p:txBody>
+          <a:bodyPr vert="horz" lIns="91440" tIns="45720" rIns="91440" bIns="45720" rtlCol="0">
+            <a:normAutofit/>
+          </a:bodyPr>
+          <a:lstStyle>
+            <a:lvl1pPr marL="228600" indent="-228600" algn="l" defTabSz="914400" rtl="0" eaLnBrk="1" latinLnBrk="0" hangingPunct="1">
+              <a:lnSpc>
+                <a:spcPct val="90000"/>
+              </a:lnSpc>
+              <a:spcBef>
+                <a:spcPts val="1000"/>
+              </a:spcBef>
+              <a:buFont typeface="Arial" panose="020B0604020202020204" pitchFamily="34" charset="0"/>
+              <a:buChar char="•"/>
+              <a:defRPr sz="2800" kern="1200">
+                <a:solidFill>
+                  <a:schemeClr val="tx1"/>
+                </a:solidFill>
+                <a:latin typeface="+mn-lt"/>
+                <a:ea typeface="+mn-ea"/>
+                <a:cs typeface="+mn-cs"/>
+              </a:defRPr>
+            </a:lvl1pPr>
+            <a:lvl2pPr marL="685800" indent="-228600" algn="l" defTabSz="914400" rtl="0" eaLnBrk="1" latinLnBrk="0" hangingPunct="1">
+              <a:lnSpc>
+                <a:spcPct val="90000"/>
+              </a:lnSpc>
+              <a:spcBef>
+                <a:spcPts val="500"/>
+              </a:spcBef>
+              <a:buFont typeface="Arial" panose="020B0604020202020204" pitchFamily="34" charset="0"/>
+              <a:buChar char="•"/>
+              <a:defRPr sz="2400" kern="1200">
+                <a:solidFill>
+                  <a:schemeClr val="tx1"/>
+                </a:solidFill>
+                <a:latin typeface="+mn-lt"/>
+                <a:ea typeface="+mn-ea"/>
+                <a:cs typeface="+mn-cs"/>
+              </a:defRPr>
+            </a:lvl2pPr>
+            <a:lvl3pPr marL="1143000" indent="-228600" algn="l" defTabSz="914400" rtl="0" eaLnBrk="1" latinLnBrk="0" hangingPunct="1">
+              <a:lnSpc>
+                <a:spcPct val="90000"/>
+              </a:lnSpc>
+              <a:spcBef>
+                <a:spcPts val="500"/>
+              </a:spcBef>
+              <a:buFont typeface="Arial" panose="020B0604020202020204" pitchFamily="34" charset="0"/>
+              <a:buChar char="•"/>
+              <a:defRPr sz="2000" kern="1200">
+                <a:solidFill>
+                  <a:schemeClr val="tx1"/>
+                </a:solidFill>
+                <a:latin typeface="+mn-lt"/>
+                <a:ea typeface="+mn-ea"/>
+                <a:cs typeface="+mn-cs"/>
+              </a:defRPr>
+            </a:lvl3pPr>
+            <a:lvl4pPr marL="1600200" indent="-228600" algn="l" defTabSz="914400" rtl="0" eaLnBrk="1" latinLnBrk="0" hangingPunct="1">
+              <a:lnSpc>
+                <a:spcPct val="90000"/>
+              </a:lnSpc>
+              <a:spcBef>
+                <a:spcPts val="500"/>
+              </a:spcBef>
+              <a:buFont typeface="Arial" panose="020B0604020202020204" pitchFamily="34" charset="0"/>
+              <a:buChar char="•"/>
+              <a:defRPr sz="1800" kern="1200">
+                <a:solidFill>
+                  <a:schemeClr val="tx1"/>
+                </a:solidFill>
+                <a:latin typeface="+mn-lt"/>
+                <a:ea typeface="+mn-ea"/>
+                <a:cs typeface="+mn-cs"/>
+              </a:defRPr>
+            </a:lvl4pPr>
+            <a:lvl5pPr marL="2057400" indent="-228600" algn="l" defTabSz="914400" rtl="0" eaLnBrk="1" latinLnBrk="0" hangingPunct="1">
+              <a:lnSpc>
+                <a:spcPct val="90000"/>
+              </a:lnSpc>
+              <a:spcBef>
+                <a:spcPts val="500"/>
+              </a:spcBef>
+              <a:buFont typeface="Arial" panose="020B0604020202020204" pitchFamily="34" charset="0"/>
+              <a:buChar char="•"/>
+              <a:defRPr sz="1800" kern="1200">
+                <a:solidFill>
+                  <a:schemeClr val="tx1"/>
+                </a:solidFill>
+                <a:latin typeface="+mn-lt"/>
+                <a:ea typeface="+mn-ea"/>
+                <a:cs typeface="+mn-cs"/>
+              </a:defRPr>
+            </a:lvl5pPr>
+            <a:lvl6pPr marL="2514600" indent="-228600" algn="l" defTabSz="914400" rtl="0" eaLnBrk="1" latinLnBrk="0" hangingPunct="1">
+              <a:lnSpc>
+                <a:spcPct val="90000"/>
+              </a:lnSpc>
+              <a:spcBef>
+                <a:spcPts val="500"/>
+              </a:spcBef>
+              <a:buFont typeface="Arial" panose="020B0604020202020204" pitchFamily="34" charset="0"/>
+              <a:buChar char="•"/>
+              <a:defRPr sz="1800" kern="1200">
+                <a:solidFill>
+                  <a:schemeClr val="tx1"/>
+                </a:solidFill>
+                <a:latin typeface="+mn-lt"/>
+                <a:ea typeface="+mn-ea"/>
+                <a:cs typeface="+mn-cs"/>
+              </a:defRPr>
+            </a:lvl6pPr>
+            <a:lvl7pPr marL="2971800" indent="-228600" algn="l" defTabSz="914400" rtl="0" eaLnBrk="1" latinLnBrk="0" hangingPunct="1">
+              <a:lnSpc>
+                <a:spcPct val="90000"/>
+              </a:lnSpc>
+              <a:spcBef>
+                <a:spcPts val="500"/>
+              </a:spcBef>
+              <a:buFont typeface="Arial" panose="020B0604020202020204" pitchFamily="34" charset="0"/>
+              <a:buChar char="•"/>
+              <a:defRPr sz="1800" kern="1200">
+                <a:solidFill>
+                  <a:schemeClr val="tx1"/>
+                </a:solidFill>
+                <a:latin typeface="+mn-lt"/>
+                <a:ea typeface="+mn-ea"/>
+                <a:cs typeface="+mn-cs"/>
+              </a:defRPr>
+            </a:lvl7pPr>
+            <a:lvl8pPr marL="3429000" indent="-228600" algn="l" defTabSz="914400" rtl="0" eaLnBrk="1" latinLnBrk="0" hangingPunct="1">
+              <a:lnSpc>
+                <a:spcPct val="90000"/>
+              </a:lnSpc>
+              <a:spcBef>
+                <a:spcPts val="500"/>
+              </a:spcBef>
+              <a:buFont typeface="Arial" panose="020B0604020202020204" pitchFamily="34" charset="0"/>
+              <a:buChar char="•"/>
+              <a:defRPr sz="1800" kern="1200">
+                <a:solidFill>
+                  <a:schemeClr val="tx1"/>
+                </a:solidFill>
+                <a:latin typeface="+mn-lt"/>
+                <a:ea typeface="+mn-ea"/>
+                <a:cs typeface="+mn-cs"/>
+              </a:defRPr>
+            </a:lvl8pPr>
+            <a:lvl9pPr marL="3886200" indent="-228600" algn="l" defTabSz="914400" rtl="0" eaLnBrk="1" latinLnBrk="0" hangingPunct="1">
+              <a:lnSpc>
+                <a:spcPct val="90000"/>
+              </a:lnSpc>
+              <a:spcBef>
+                <a:spcPts val="500"/>
+              </a:spcBef>
+              <a:buFont typeface="Arial" panose="020B0604020202020204" pitchFamily="34" charset="0"/>
+              <a:buChar char="•"/>
+              <a:defRPr sz="1800" kern="1200">
+                <a:solidFill>
+                  <a:schemeClr val="tx1"/>
+                </a:solidFill>
+                <a:latin typeface="+mn-lt"/>
+                <a:ea typeface="+mn-ea"/>
+                <a:cs typeface="+mn-cs"/>
+              </a:defRPr>
+            </a:lvl9pPr>
+          </a:lstStyle>
+          <a:p>
+            <a:r>
+              <a:rPr lang="en-US" dirty="0"/>
+              <a:t>…</a:t>
+            </a:r>
+          </a:p>
+        </p:txBody>
+      </p:sp>
+    </p:spTree>
+    <p:extLst>
+      <p:ext uri="{BB962C8B-B14F-4D97-AF65-F5344CB8AC3E}">
+        <p14:creationId xmlns:p14="http://schemas.microsoft.com/office/powerpoint/2010/main" val="2465929795"/>
+      </p:ext>
+    </p:extLst>
+  </p:cSld>
+  <p:clrMapOvr>
+    <a:masterClrMapping/>
+  </p:clrMapOvr>
+</p:sld>
+</file>
+
 <file path=ppt/slides/slide2.xml><?xml version="1.0" encoding="utf-8"?>
 <p:sld xmlns:a="http://schemas.openxmlformats.org/drawingml/2006/main" xmlns:r="http://schemas.openxmlformats.org/officeDocument/2006/relationships" xmlns:p="http://schemas.openxmlformats.org/presentationml/2006/main">
   <p:cSld>
@@ -3473,7 +4084,7 @@
           <a:p>
             <a:r>
               <a:rPr lang="en-US" sz="3200" dirty="0"/>
-              <a:t>Why you need to an application framework?</a:t>
+              <a:t>Why we’ve created the ABP framework?</a:t>
             </a:r>
           </a:p>
         </p:txBody>
@@ -3515,196 +4126,395 @@
       </p:pic>
       <p:sp>
         <p:nvSpPr>
-          <p:cNvPr id="8" name="Content Placeholder 2">
-            <a:extLst>
-              <a:ext uri="{FF2B5EF4-FFF2-40B4-BE49-F238E27FC236}">
-                <a16:creationId xmlns:a16="http://schemas.microsoft.com/office/drawing/2014/main" id="{A92399CC-EFF6-4058-89C7-4D020BCBC9F2}"/>
-              </a:ext>
-            </a:extLst>
-          </p:cNvPr>
-          <p:cNvSpPr txBox="1">
-            <a:spLocks/>
-          </p:cNvSpPr>
+          <p:cNvPr id="3" name="Rectangle 2">
+            <a:extLst>
+              <a:ext uri="{FF2B5EF4-FFF2-40B4-BE49-F238E27FC236}">
+                <a16:creationId xmlns:a16="http://schemas.microsoft.com/office/drawing/2014/main" id="{E6015B6D-726D-44CC-9CB1-02BE51E49473}"/>
+              </a:ext>
+            </a:extLst>
+          </p:cNvPr>
+          <p:cNvSpPr/>
           <p:nvPr/>
         </p:nvSpPr>
         <p:spPr>
           <a:xfrm>
-            <a:off x="838200" y="1825625"/>
-            <a:ext cx="10830296" cy="4351338"/>
+            <a:off x="439320" y="2269998"/>
+            <a:ext cx="2961491" cy="409432"/>
           </a:xfrm>
           <a:prstGeom prst="rect">
             <a:avLst/>
           </a:prstGeom>
         </p:spPr>
-        <p:txBody>
-          <a:bodyPr vert="horz" lIns="91440" tIns="45720" rIns="91440" bIns="45720" rtlCol="0">
-            <a:normAutofit/>
+        <p:style>
+          <a:lnRef idx="2">
+            <a:schemeClr val="accent6">
+              <a:shade val="50000"/>
+            </a:schemeClr>
+          </a:lnRef>
+          <a:fillRef idx="1">
+            <a:schemeClr val="accent6"/>
+          </a:fillRef>
+          <a:effectRef idx="0">
+            <a:schemeClr val="accent6"/>
+          </a:effectRef>
+          <a:fontRef idx="minor">
+            <a:schemeClr val="lt1"/>
+          </a:fontRef>
+        </p:style>
+        <p:txBody>
+          <a:bodyPr rtlCol="0" anchor="ctr"/>
+          <a:lstStyle/>
+          <a:p>
+            <a:pPr algn="ctr"/>
+            <a:r>
+              <a:rPr lang="en-US" dirty="0"/>
+              <a:t>Your Application</a:t>
+            </a:r>
+          </a:p>
+        </p:txBody>
+      </p:sp>
+      <p:sp>
+        <p:nvSpPr>
+          <p:cNvPr id="7" name="Rectangle 6">
+            <a:extLst>
+              <a:ext uri="{FF2B5EF4-FFF2-40B4-BE49-F238E27FC236}">
+                <a16:creationId xmlns:a16="http://schemas.microsoft.com/office/drawing/2014/main" id="{7E548B12-6D38-458F-BD17-F5CD5967E595}"/>
+              </a:ext>
+            </a:extLst>
+          </p:cNvPr>
+          <p:cNvSpPr/>
+          <p:nvPr/>
+        </p:nvSpPr>
+        <p:spPr>
+          <a:xfrm>
+            <a:off x="445930" y="3159376"/>
+            <a:ext cx="2954483" cy="409432"/>
+          </a:xfrm>
+          <a:prstGeom prst="rect">
+            <a:avLst/>
+          </a:prstGeom>
+        </p:spPr>
+        <p:style>
+          <a:lnRef idx="2">
+            <a:schemeClr val="accent2">
+              <a:shade val="50000"/>
+            </a:schemeClr>
+          </a:lnRef>
+          <a:fillRef idx="1">
+            <a:schemeClr val="accent2"/>
+          </a:fillRef>
+          <a:effectRef idx="0">
+            <a:schemeClr val="accent2"/>
+          </a:effectRef>
+          <a:fontRef idx="minor">
+            <a:schemeClr val="lt1"/>
+          </a:fontRef>
+        </p:style>
+        <p:txBody>
+          <a:bodyPr rtlCol="0" anchor="ctr"/>
+          <a:lstStyle/>
+          <a:p>
+            <a:pPr algn="ctr"/>
+            <a:r>
+              <a:rPr lang="en-US" dirty="0"/>
+              <a:t>(plain) ASP.NET Core</a:t>
+            </a:r>
+          </a:p>
+        </p:txBody>
+      </p:sp>
+      <p:cxnSp>
+        <p:nvCxnSpPr>
+          <p:cNvPr id="5" name="Straight Arrow Connector 4">
+            <a:extLst>
+              <a:ext uri="{FF2B5EF4-FFF2-40B4-BE49-F238E27FC236}">
+                <a16:creationId xmlns:a16="http://schemas.microsoft.com/office/drawing/2014/main" id="{CCA8E288-1127-4635-B49B-D24FAC37206D}"/>
+              </a:ext>
+            </a:extLst>
+          </p:cNvPr>
+          <p:cNvCxnSpPr>
+            <a:cxnSpLocks/>
+          </p:cNvCxnSpPr>
+          <p:nvPr/>
+        </p:nvCxnSpPr>
+        <p:spPr>
+          <a:xfrm>
+            <a:off x="1989582" y="2679430"/>
+            <a:ext cx="3106" cy="479946"/>
+          </a:xfrm>
+          <a:prstGeom prst="straightConnector1">
+            <a:avLst/>
+          </a:prstGeom>
+          <a:ln w="63500">
+            <a:solidFill>
+              <a:schemeClr val="tx1"/>
+            </a:solidFill>
+            <a:tailEnd type="triangle"/>
+          </a:ln>
+        </p:spPr>
+        <p:style>
+          <a:lnRef idx="1">
+            <a:schemeClr val="accent1"/>
+          </a:lnRef>
+          <a:fillRef idx="0">
+            <a:schemeClr val="accent1"/>
+          </a:fillRef>
+          <a:effectRef idx="0">
+            <a:schemeClr val="accent1"/>
+          </a:effectRef>
+          <a:fontRef idx="minor">
+            <a:schemeClr val="tx1"/>
+          </a:fontRef>
+        </p:style>
+      </p:cxnSp>
+      <p:pic>
+        <p:nvPicPr>
+          <p:cNvPr id="1030" name="Picture 6" descr="Image result for domain driven design">
+            <a:extLst>
+              <a:ext uri="{FF2B5EF4-FFF2-40B4-BE49-F238E27FC236}">
+                <a16:creationId xmlns:a16="http://schemas.microsoft.com/office/drawing/2014/main" id="{A45F7879-2C48-4DAA-855F-28606E402C36}"/>
+              </a:ext>
+            </a:extLst>
+          </p:cNvPr>
+          <p:cNvPicPr>
+            <a:picLocks noChangeAspect="1" noChangeArrowheads="1"/>
+          </p:cNvPicPr>
+          <p:nvPr/>
+        </p:nvPicPr>
+        <p:blipFill>
+          <a:blip r:embed="rId3">
+            <a:extLst>
+              <a:ext uri="{28A0092B-C50C-407E-A947-70E740481C1C}">
+                <a14:useLocalDpi xmlns:a14="http://schemas.microsoft.com/office/drawing/2010/main" val="0"/>
+              </a:ext>
+            </a:extLst>
+          </a:blip>
+          <a:srcRect/>
+          <a:stretch>
+            <a:fillRect/>
+          </a:stretch>
+        </p:blipFill>
+        <p:spPr bwMode="auto">
+          <a:xfrm>
+            <a:off x="3533923" y="2346974"/>
+            <a:ext cx="5257268" cy="3700899"/>
+          </a:xfrm>
+          <a:prstGeom prst="rect">
+            <a:avLst/>
+          </a:prstGeom>
+          <a:noFill/>
+          <a:extLst>
+            <a:ext uri="{909E8E84-426E-40DD-AFC4-6F175D3DCCD1}">
+              <a14:hiddenFill xmlns:a14="http://schemas.microsoft.com/office/drawing/2010/main">
+                <a:solidFill>
+                  <a:srgbClr val="FFFFFF"/>
+                </a:solidFill>
+              </a14:hiddenFill>
+            </a:ext>
+          </a:extLst>
+        </p:spPr>
+      </p:pic>
+      <p:sp>
+        <p:nvSpPr>
+          <p:cNvPr id="9" name="TextBox 8">
+            <a:extLst>
+              <a:ext uri="{FF2B5EF4-FFF2-40B4-BE49-F238E27FC236}">
+                <a16:creationId xmlns:a16="http://schemas.microsoft.com/office/drawing/2014/main" id="{F5B58113-59F8-48E5-B4B3-F4F2BF781E21}"/>
+              </a:ext>
+            </a:extLst>
+          </p:cNvPr>
+          <p:cNvSpPr txBox="1"/>
+          <p:nvPr/>
+        </p:nvSpPr>
+        <p:spPr>
+          <a:xfrm>
+            <a:off x="4616973" y="1590035"/>
+            <a:ext cx="2958054" cy="461665"/>
+          </a:xfrm>
+          <a:prstGeom prst="rect">
+            <a:avLst/>
+          </a:prstGeom>
+          <a:noFill/>
+        </p:spPr>
+        <p:txBody>
+          <a:bodyPr wrap="none" rtlCol="0">
+            <a:spAutoFit/>
           </a:bodyPr>
-          <a:lstStyle>
-            <a:lvl1pPr marL="228600" indent="-228600" algn="l" defTabSz="914400" rtl="0" eaLnBrk="1" latinLnBrk="0" hangingPunct="1">
-              <a:lnSpc>
-                <a:spcPct val="90000"/>
-              </a:lnSpc>
-              <a:spcBef>
-                <a:spcPts val="1000"/>
-              </a:spcBef>
-              <a:buFont typeface="Arial" panose="020B0604020202020204" pitchFamily="34" charset="0"/>
-              <a:buChar char="•"/>
-              <a:defRPr sz="2800" kern="1200">
-                <a:solidFill>
-                  <a:schemeClr val="tx1"/>
-                </a:solidFill>
-                <a:latin typeface="+mn-lt"/>
-                <a:ea typeface="+mn-ea"/>
-                <a:cs typeface="+mn-cs"/>
-              </a:defRPr>
-            </a:lvl1pPr>
-            <a:lvl2pPr marL="685800" indent="-228600" algn="l" defTabSz="914400" rtl="0" eaLnBrk="1" latinLnBrk="0" hangingPunct="1">
-              <a:lnSpc>
-                <a:spcPct val="90000"/>
-              </a:lnSpc>
-              <a:spcBef>
-                <a:spcPts val="500"/>
-              </a:spcBef>
-              <a:buFont typeface="Arial" panose="020B0604020202020204" pitchFamily="34" charset="0"/>
-              <a:buChar char="•"/>
-              <a:defRPr sz="2400" kern="1200">
-                <a:solidFill>
-                  <a:schemeClr val="tx1"/>
-                </a:solidFill>
-                <a:latin typeface="+mn-lt"/>
-                <a:ea typeface="+mn-ea"/>
-                <a:cs typeface="+mn-cs"/>
-              </a:defRPr>
-            </a:lvl2pPr>
-            <a:lvl3pPr marL="1143000" indent="-228600" algn="l" defTabSz="914400" rtl="0" eaLnBrk="1" latinLnBrk="0" hangingPunct="1">
-              <a:lnSpc>
-                <a:spcPct val="90000"/>
-              </a:lnSpc>
-              <a:spcBef>
-                <a:spcPts val="500"/>
-              </a:spcBef>
-              <a:buFont typeface="Arial" panose="020B0604020202020204" pitchFamily="34" charset="0"/>
-              <a:buChar char="•"/>
-              <a:defRPr sz="2000" kern="1200">
-                <a:solidFill>
-                  <a:schemeClr val="tx1"/>
-                </a:solidFill>
-                <a:latin typeface="+mn-lt"/>
-                <a:ea typeface="+mn-ea"/>
-                <a:cs typeface="+mn-cs"/>
-              </a:defRPr>
-            </a:lvl3pPr>
-            <a:lvl4pPr marL="1600200" indent="-228600" algn="l" defTabSz="914400" rtl="0" eaLnBrk="1" latinLnBrk="0" hangingPunct="1">
-              <a:lnSpc>
-                <a:spcPct val="90000"/>
-              </a:lnSpc>
-              <a:spcBef>
-                <a:spcPts val="500"/>
-              </a:spcBef>
-              <a:buFont typeface="Arial" panose="020B0604020202020204" pitchFamily="34" charset="0"/>
-              <a:buChar char="•"/>
-              <a:defRPr sz="1800" kern="1200">
-                <a:solidFill>
-                  <a:schemeClr val="tx1"/>
-                </a:solidFill>
-                <a:latin typeface="+mn-lt"/>
-                <a:ea typeface="+mn-ea"/>
-                <a:cs typeface="+mn-cs"/>
-              </a:defRPr>
-            </a:lvl4pPr>
-            <a:lvl5pPr marL="2057400" indent="-228600" algn="l" defTabSz="914400" rtl="0" eaLnBrk="1" latinLnBrk="0" hangingPunct="1">
-              <a:lnSpc>
-                <a:spcPct val="90000"/>
-              </a:lnSpc>
-              <a:spcBef>
-                <a:spcPts val="500"/>
-              </a:spcBef>
-              <a:buFont typeface="Arial" panose="020B0604020202020204" pitchFamily="34" charset="0"/>
-              <a:buChar char="•"/>
-              <a:defRPr sz="1800" kern="1200">
-                <a:solidFill>
-                  <a:schemeClr val="tx1"/>
-                </a:solidFill>
-                <a:latin typeface="+mn-lt"/>
-                <a:ea typeface="+mn-ea"/>
-                <a:cs typeface="+mn-cs"/>
-              </a:defRPr>
-            </a:lvl5pPr>
-            <a:lvl6pPr marL="2514600" indent="-228600" algn="l" defTabSz="914400" rtl="0" eaLnBrk="1" latinLnBrk="0" hangingPunct="1">
-              <a:lnSpc>
-                <a:spcPct val="90000"/>
-              </a:lnSpc>
-              <a:spcBef>
-                <a:spcPts val="500"/>
-              </a:spcBef>
-              <a:buFont typeface="Arial" panose="020B0604020202020204" pitchFamily="34" charset="0"/>
-              <a:buChar char="•"/>
-              <a:defRPr sz="1800" kern="1200">
-                <a:solidFill>
-                  <a:schemeClr val="tx1"/>
-                </a:solidFill>
-                <a:latin typeface="+mn-lt"/>
-                <a:ea typeface="+mn-ea"/>
-                <a:cs typeface="+mn-cs"/>
-              </a:defRPr>
-            </a:lvl6pPr>
-            <a:lvl7pPr marL="2971800" indent="-228600" algn="l" defTabSz="914400" rtl="0" eaLnBrk="1" latinLnBrk="0" hangingPunct="1">
-              <a:lnSpc>
-                <a:spcPct val="90000"/>
-              </a:lnSpc>
-              <a:spcBef>
-                <a:spcPts val="500"/>
-              </a:spcBef>
-              <a:buFont typeface="Arial" panose="020B0604020202020204" pitchFamily="34" charset="0"/>
-              <a:buChar char="•"/>
-              <a:defRPr sz="1800" kern="1200">
-                <a:solidFill>
-                  <a:schemeClr val="tx1"/>
-                </a:solidFill>
-                <a:latin typeface="+mn-lt"/>
-                <a:ea typeface="+mn-ea"/>
-                <a:cs typeface="+mn-cs"/>
-              </a:defRPr>
-            </a:lvl7pPr>
-            <a:lvl8pPr marL="3429000" indent="-228600" algn="l" defTabSz="914400" rtl="0" eaLnBrk="1" latinLnBrk="0" hangingPunct="1">
-              <a:lnSpc>
-                <a:spcPct val="90000"/>
-              </a:lnSpc>
-              <a:spcBef>
-                <a:spcPts val="500"/>
-              </a:spcBef>
-              <a:buFont typeface="Arial" panose="020B0604020202020204" pitchFamily="34" charset="0"/>
-              <a:buChar char="•"/>
-              <a:defRPr sz="1800" kern="1200">
-                <a:solidFill>
-                  <a:schemeClr val="tx1"/>
-                </a:solidFill>
-                <a:latin typeface="+mn-lt"/>
-                <a:ea typeface="+mn-ea"/>
-                <a:cs typeface="+mn-cs"/>
-              </a:defRPr>
-            </a:lvl8pPr>
-            <a:lvl9pPr marL="3886200" indent="-228600" algn="l" defTabSz="914400" rtl="0" eaLnBrk="1" latinLnBrk="0" hangingPunct="1">
-              <a:lnSpc>
-                <a:spcPct val="90000"/>
-              </a:lnSpc>
-              <a:spcBef>
-                <a:spcPts val="500"/>
-              </a:spcBef>
-              <a:buFont typeface="Arial" panose="020B0604020202020204" pitchFamily="34" charset="0"/>
-              <a:buChar char="•"/>
-              <a:defRPr sz="1800" kern="1200">
-                <a:solidFill>
-                  <a:schemeClr val="tx1"/>
-                </a:solidFill>
-                <a:latin typeface="+mn-lt"/>
-                <a:ea typeface="+mn-ea"/>
-                <a:cs typeface="+mn-cs"/>
-              </a:defRPr>
-            </a:lvl9pPr>
-          </a:lstStyle>
-          <a:p>
+          <a:lstStyle/>
+          <a:p>
+            <a:r>
+              <a:rPr lang="en-US" sz="2400" u="sng" dirty="0"/>
+              <a:t>Domain Driven Design</a:t>
+            </a:r>
+          </a:p>
+        </p:txBody>
+      </p:sp>
+      <p:sp>
+        <p:nvSpPr>
+          <p:cNvPr id="11" name="TextBox 10">
+            <a:extLst>
+              <a:ext uri="{FF2B5EF4-FFF2-40B4-BE49-F238E27FC236}">
+                <a16:creationId xmlns:a16="http://schemas.microsoft.com/office/drawing/2014/main" id="{ACFC2459-52C3-457F-A2AC-A12B24F7302D}"/>
+              </a:ext>
+            </a:extLst>
+          </p:cNvPr>
+          <p:cNvSpPr txBox="1"/>
+          <p:nvPr/>
+        </p:nvSpPr>
+        <p:spPr>
+          <a:xfrm>
+            <a:off x="8791191" y="1626538"/>
+            <a:ext cx="3245852" cy="4524315"/>
+          </a:xfrm>
+          <a:prstGeom prst="rect">
+            <a:avLst/>
+          </a:prstGeom>
+          <a:noFill/>
+        </p:spPr>
+        <p:txBody>
+          <a:bodyPr wrap="square" rtlCol="0">
+            <a:spAutoFit/>
+          </a:bodyPr>
+          <a:lstStyle/>
+          <a:p>
+            <a:r>
+              <a:rPr lang="en-US" u="sng" dirty="0"/>
+              <a:t>Cross Cutting Concerns</a:t>
+            </a:r>
+          </a:p>
+          <a:p>
+            <a:pPr marL="285750" indent="-285750">
+              <a:buFont typeface="Arial" panose="020B0604020202020204" pitchFamily="34" charset="0"/>
+              <a:buChar char="•"/>
+            </a:pPr>
+            <a:r>
+              <a:rPr lang="en-US" dirty="0"/>
+              <a:t>Authorization</a:t>
+            </a:r>
+          </a:p>
+          <a:p>
+            <a:pPr marL="285750" indent="-285750">
+              <a:buFont typeface="Arial" panose="020B0604020202020204" pitchFamily="34" charset="0"/>
+              <a:buChar char="•"/>
+            </a:pPr>
+            <a:r>
+              <a:rPr lang="en-US" dirty="0"/>
+              <a:t>Validation</a:t>
+            </a:r>
+          </a:p>
+          <a:p>
+            <a:pPr marL="285750" indent="-285750">
+              <a:buFont typeface="Arial" panose="020B0604020202020204" pitchFamily="34" charset="0"/>
+              <a:buChar char="•"/>
+            </a:pPr>
+            <a:r>
+              <a:rPr lang="en-US" dirty="0"/>
+              <a:t>Exception Handling</a:t>
+            </a:r>
+          </a:p>
+          <a:p>
+            <a:pPr marL="285750" indent="-285750">
+              <a:buFont typeface="Arial" panose="020B0604020202020204" pitchFamily="34" charset="0"/>
+              <a:buChar char="•"/>
+            </a:pPr>
+            <a:r>
+              <a:rPr lang="en-US" dirty="0"/>
+              <a:t>DB Connection Management</a:t>
+            </a:r>
+          </a:p>
+          <a:p>
+            <a:pPr marL="285750" indent="-285750">
+              <a:buFont typeface="Arial" panose="020B0604020202020204" pitchFamily="34" charset="0"/>
+              <a:buChar char="•"/>
+            </a:pPr>
+            <a:r>
+              <a:rPr lang="en-US" dirty="0"/>
+              <a:t>Audit Logging</a:t>
+            </a:r>
+          </a:p>
+          <a:p>
+            <a:pPr marL="285750" indent="-285750">
+              <a:buFont typeface="Arial" panose="020B0604020202020204" pitchFamily="34" charset="0"/>
+              <a:buChar char="•"/>
+            </a:pPr>
+            <a:r>
+              <a:rPr lang="en-US" dirty="0"/>
+              <a:t>Caching</a:t>
+            </a:r>
+          </a:p>
+          <a:p>
+            <a:pPr marL="285750" indent="-285750">
+              <a:buFont typeface="Arial" panose="020B0604020202020204" pitchFamily="34" charset="0"/>
+              <a:buChar char="•"/>
+            </a:pPr>
+            <a:r>
+              <a:rPr lang="en-US" dirty="0"/>
+              <a:t>...</a:t>
+            </a:r>
+          </a:p>
+          <a:p>
+            <a:endParaRPr lang="en-US" dirty="0"/>
+          </a:p>
+          <a:p>
+            <a:r>
+              <a:rPr lang="en-US" u="sng" dirty="0"/>
+              <a:t>Infrastructure</a:t>
+            </a:r>
+          </a:p>
+          <a:p>
+            <a:pPr marL="285750" indent="-285750">
+              <a:buFont typeface="Arial" panose="020B0604020202020204" pitchFamily="34" charset="0"/>
+              <a:buChar char="•"/>
+            </a:pPr>
+            <a:r>
+              <a:rPr lang="en-US" dirty="0"/>
+              <a:t>Base Classes</a:t>
+            </a:r>
+          </a:p>
+          <a:p>
+            <a:pPr marL="285750" indent="-285750">
+              <a:buFont typeface="Arial" panose="020B0604020202020204" pitchFamily="34" charset="0"/>
+              <a:buChar char="•"/>
+            </a:pPr>
+            <a:r>
+              <a:rPr lang="en-US" dirty="0"/>
+              <a:t>Abstractions</a:t>
+            </a:r>
+          </a:p>
+          <a:p>
+            <a:pPr marL="285750" indent="-285750">
+              <a:buFont typeface="Arial" panose="020B0604020202020204" pitchFamily="34" charset="0"/>
+              <a:buChar char="•"/>
+            </a:pPr>
+            <a:r>
+              <a:rPr lang="en-US" dirty="0"/>
+              <a:t>Integrations</a:t>
+            </a:r>
+          </a:p>
+          <a:p>
+            <a:pPr marL="285750" indent="-285750">
+              <a:buFont typeface="Arial" panose="020B0604020202020204" pitchFamily="34" charset="0"/>
+              <a:buChar char="•"/>
+            </a:pPr>
+            <a:r>
+              <a:rPr lang="en-US" dirty="0"/>
+              <a:t>Extension Methods / Helpers</a:t>
+            </a:r>
+          </a:p>
+          <a:p>
+            <a:pPr marL="285750" indent="-285750">
+              <a:buFont typeface="Arial" panose="020B0604020202020204" pitchFamily="34" charset="0"/>
+              <a:buChar char="•"/>
+            </a:pPr>
+            <a:r>
+              <a:rPr lang="en-US" dirty="0"/>
+              <a:t>Library Wrappers</a:t>
+            </a:r>
+          </a:p>
+          <a:p>
+            <a:pPr marL="285750" indent="-285750">
+              <a:buFont typeface="Arial" panose="020B0604020202020204" pitchFamily="34" charset="0"/>
+              <a:buChar char="•"/>
+            </a:pPr>
             <a:r>
               <a:rPr lang="en-US" dirty="0"/>
               <a:t>…</a:t>
@@ -3772,7 +4582,7 @@
           <a:p>
             <a:r>
               <a:rPr lang="en-US" sz="3200" dirty="0"/>
-              <a:t>Title</a:t>
+              <a:t>Why we’ve created the ABP framework?</a:t>
             </a:r>
           </a:p>
         </p:txBody>
@@ -3814,6 +4624,560 @@
       </p:pic>
       <p:sp>
         <p:nvSpPr>
+          <p:cNvPr id="3" name="Rectangle 2">
+            <a:extLst>
+              <a:ext uri="{FF2B5EF4-FFF2-40B4-BE49-F238E27FC236}">
+                <a16:creationId xmlns:a16="http://schemas.microsoft.com/office/drawing/2014/main" id="{E6015B6D-726D-44CC-9CB1-02BE51E49473}"/>
+              </a:ext>
+            </a:extLst>
+          </p:cNvPr>
+          <p:cNvSpPr/>
+          <p:nvPr/>
+        </p:nvSpPr>
+        <p:spPr>
+          <a:xfrm>
+            <a:off x="1728035" y="2419725"/>
+            <a:ext cx="5014507" cy="409432"/>
+          </a:xfrm>
+          <a:prstGeom prst="rect">
+            <a:avLst/>
+          </a:prstGeom>
+        </p:spPr>
+        <p:style>
+          <a:lnRef idx="2">
+            <a:schemeClr val="accent6">
+              <a:shade val="50000"/>
+            </a:schemeClr>
+          </a:lnRef>
+          <a:fillRef idx="1">
+            <a:schemeClr val="accent6"/>
+          </a:fillRef>
+          <a:effectRef idx="0">
+            <a:schemeClr val="accent6"/>
+          </a:effectRef>
+          <a:fontRef idx="minor">
+            <a:schemeClr val="lt1"/>
+          </a:fontRef>
+        </p:style>
+        <p:txBody>
+          <a:bodyPr rtlCol="0" anchor="ctr"/>
+          <a:lstStyle/>
+          <a:p>
+            <a:pPr algn="ctr"/>
+            <a:r>
+              <a:rPr lang="en-US" dirty="0"/>
+              <a:t>Your Application(s)</a:t>
+            </a:r>
+          </a:p>
+        </p:txBody>
+      </p:sp>
+      <p:sp>
+        <p:nvSpPr>
+          <p:cNvPr id="7" name="Rectangle 6">
+            <a:extLst>
+              <a:ext uri="{FF2B5EF4-FFF2-40B4-BE49-F238E27FC236}">
+                <a16:creationId xmlns:a16="http://schemas.microsoft.com/office/drawing/2014/main" id="{7E548B12-6D38-458F-BD17-F5CD5967E595}"/>
+              </a:ext>
+            </a:extLst>
+          </p:cNvPr>
+          <p:cNvSpPr/>
+          <p:nvPr/>
+        </p:nvSpPr>
+        <p:spPr>
+          <a:xfrm>
+            <a:off x="1735044" y="4460228"/>
+            <a:ext cx="5002640" cy="409432"/>
+          </a:xfrm>
+          <a:prstGeom prst="rect">
+            <a:avLst/>
+          </a:prstGeom>
+        </p:spPr>
+        <p:style>
+          <a:lnRef idx="2">
+            <a:schemeClr val="accent2">
+              <a:shade val="50000"/>
+            </a:schemeClr>
+          </a:lnRef>
+          <a:fillRef idx="1">
+            <a:schemeClr val="accent2"/>
+          </a:fillRef>
+          <a:effectRef idx="0">
+            <a:schemeClr val="accent2"/>
+          </a:effectRef>
+          <a:fontRef idx="minor">
+            <a:schemeClr val="lt1"/>
+          </a:fontRef>
+        </p:style>
+        <p:txBody>
+          <a:bodyPr rtlCol="0" anchor="ctr"/>
+          <a:lstStyle/>
+          <a:p>
+            <a:pPr algn="ctr"/>
+            <a:r>
+              <a:rPr lang="en-US" dirty="0"/>
+              <a:t>(plain) ASP.NET Core</a:t>
+            </a:r>
+          </a:p>
+        </p:txBody>
+      </p:sp>
+      <p:cxnSp>
+        <p:nvCxnSpPr>
+          <p:cNvPr id="5" name="Straight Arrow Connector 4">
+            <a:extLst>
+              <a:ext uri="{FF2B5EF4-FFF2-40B4-BE49-F238E27FC236}">
+                <a16:creationId xmlns:a16="http://schemas.microsoft.com/office/drawing/2014/main" id="{CCA8E288-1127-4635-B49B-D24FAC37206D}"/>
+              </a:ext>
+            </a:extLst>
+          </p:cNvPr>
+          <p:cNvCxnSpPr>
+            <a:cxnSpLocks/>
+            <a:endCxn id="10" idx="0"/>
+          </p:cNvCxnSpPr>
+          <p:nvPr/>
+        </p:nvCxnSpPr>
+        <p:spPr>
+          <a:xfrm>
+            <a:off x="4904785" y="2829157"/>
+            <a:ext cx="0" cy="411348"/>
+          </a:xfrm>
+          <a:prstGeom prst="straightConnector1">
+            <a:avLst/>
+          </a:prstGeom>
+          <a:ln w="63500">
+            <a:solidFill>
+              <a:schemeClr val="tx1"/>
+            </a:solidFill>
+            <a:tailEnd type="triangle"/>
+          </a:ln>
+        </p:spPr>
+        <p:style>
+          <a:lnRef idx="1">
+            <a:schemeClr val="accent1"/>
+          </a:lnRef>
+          <a:fillRef idx="0">
+            <a:schemeClr val="accent1"/>
+          </a:fillRef>
+          <a:effectRef idx="0">
+            <a:schemeClr val="accent1"/>
+          </a:effectRef>
+          <a:fontRef idx="minor">
+            <a:schemeClr val="tx1"/>
+          </a:fontRef>
+        </p:style>
+      </p:cxnSp>
+      <p:sp>
+        <p:nvSpPr>
+          <p:cNvPr id="10" name="Rectangle 9">
+            <a:extLst>
+              <a:ext uri="{FF2B5EF4-FFF2-40B4-BE49-F238E27FC236}">
+                <a16:creationId xmlns:a16="http://schemas.microsoft.com/office/drawing/2014/main" id="{C46449EA-5792-43CE-B40F-C930B6F56904}"/>
+              </a:ext>
+            </a:extLst>
+          </p:cNvPr>
+          <p:cNvSpPr/>
+          <p:nvPr/>
+        </p:nvSpPr>
+        <p:spPr>
+          <a:xfrm>
+            <a:off x="3071886" y="3240505"/>
+            <a:ext cx="3665798" cy="811210"/>
+          </a:xfrm>
+          <a:prstGeom prst="rect">
+            <a:avLst/>
+          </a:prstGeom>
+        </p:spPr>
+        <p:style>
+          <a:lnRef idx="2">
+            <a:schemeClr val="accent1">
+              <a:shade val="50000"/>
+            </a:schemeClr>
+          </a:lnRef>
+          <a:fillRef idx="1">
+            <a:schemeClr val="accent1"/>
+          </a:fillRef>
+          <a:effectRef idx="0">
+            <a:schemeClr val="accent1"/>
+          </a:effectRef>
+          <a:fontRef idx="minor">
+            <a:schemeClr val="lt1"/>
+          </a:fontRef>
+        </p:style>
+        <p:txBody>
+          <a:bodyPr rtlCol="0" anchor="ctr"/>
+          <a:lstStyle/>
+          <a:p>
+            <a:pPr algn="ctr"/>
+            <a:r>
+              <a:rPr lang="en-US" dirty="0"/>
+              <a:t>Reusable</a:t>
+            </a:r>
+          </a:p>
+          <a:p>
+            <a:pPr algn="ctr"/>
+            <a:r>
+              <a:rPr lang="en-US" dirty="0"/>
+              <a:t>Application Framework</a:t>
+            </a:r>
+          </a:p>
+        </p:txBody>
+      </p:sp>
+      <p:cxnSp>
+        <p:nvCxnSpPr>
+          <p:cNvPr id="14" name="Straight Arrow Connector 13">
+            <a:extLst>
+              <a:ext uri="{FF2B5EF4-FFF2-40B4-BE49-F238E27FC236}">
+                <a16:creationId xmlns:a16="http://schemas.microsoft.com/office/drawing/2014/main" id="{4CEAD170-CF75-4582-9AEC-0D24818FD726}"/>
+              </a:ext>
+            </a:extLst>
+          </p:cNvPr>
+          <p:cNvCxnSpPr>
+            <a:cxnSpLocks/>
+          </p:cNvCxnSpPr>
+          <p:nvPr/>
+        </p:nvCxnSpPr>
+        <p:spPr>
+          <a:xfrm>
+            <a:off x="2394195" y="2829157"/>
+            <a:ext cx="0" cy="1631071"/>
+          </a:xfrm>
+          <a:prstGeom prst="straightConnector1">
+            <a:avLst/>
+          </a:prstGeom>
+          <a:ln w="63500">
+            <a:solidFill>
+              <a:schemeClr val="tx1"/>
+            </a:solidFill>
+            <a:tailEnd type="triangle"/>
+          </a:ln>
+        </p:spPr>
+        <p:style>
+          <a:lnRef idx="1">
+            <a:schemeClr val="accent1"/>
+          </a:lnRef>
+          <a:fillRef idx="0">
+            <a:schemeClr val="accent1"/>
+          </a:fillRef>
+          <a:effectRef idx="0">
+            <a:schemeClr val="accent1"/>
+          </a:effectRef>
+          <a:fontRef idx="minor">
+            <a:schemeClr val="tx1"/>
+          </a:fontRef>
+        </p:style>
+      </p:cxnSp>
+      <p:cxnSp>
+        <p:nvCxnSpPr>
+          <p:cNvPr id="16" name="Straight Arrow Connector 15">
+            <a:extLst>
+              <a:ext uri="{FF2B5EF4-FFF2-40B4-BE49-F238E27FC236}">
+                <a16:creationId xmlns:a16="http://schemas.microsoft.com/office/drawing/2014/main" id="{3A5286DA-AAF5-45DF-BC04-D2EE7170199A}"/>
+              </a:ext>
+            </a:extLst>
+          </p:cNvPr>
+          <p:cNvCxnSpPr>
+            <a:cxnSpLocks/>
+            <a:stCxn id="10" idx="2"/>
+          </p:cNvCxnSpPr>
+          <p:nvPr/>
+        </p:nvCxnSpPr>
+        <p:spPr>
+          <a:xfrm>
+            <a:off x="4904785" y="4051715"/>
+            <a:ext cx="0" cy="409432"/>
+          </a:xfrm>
+          <a:prstGeom prst="straightConnector1">
+            <a:avLst/>
+          </a:prstGeom>
+          <a:ln w="63500">
+            <a:solidFill>
+              <a:schemeClr val="tx1"/>
+            </a:solidFill>
+            <a:tailEnd type="triangle"/>
+          </a:ln>
+        </p:spPr>
+        <p:style>
+          <a:lnRef idx="1">
+            <a:schemeClr val="accent1"/>
+          </a:lnRef>
+          <a:fillRef idx="0">
+            <a:schemeClr val="accent1"/>
+          </a:fillRef>
+          <a:effectRef idx="0">
+            <a:schemeClr val="accent1"/>
+          </a:effectRef>
+          <a:fontRef idx="minor">
+            <a:schemeClr val="tx1"/>
+          </a:fontRef>
+        </p:style>
+      </p:cxnSp>
+      <p:sp>
+        <p:nvSpPr>
+          <p:cNvPr id="19" name="TextBox 18">
+            <a:extLst>
+              <a:ext uri="{FF2B5EF4-FFF2-40B4-BE49-F238E27FC236}">
+                <a16:creationId xmlns:a16="http://schemas.microsoft.com/office/drawing/2014/main" id="{E56D40F1-7CEA-48C5-9C15-336D4FD82E5D}"/>
+              </a:ext>
+            </a:extLst>
+          </p:cNvPr>
+          <p:cNvSpPr txBox="1"/>
+          <p:nvPr/>
+        </p:nvSpPr>
+        <p:spPr>
+          <a:xfrm>
+            <a:off x="7021095" y="1935747"/>
+            <a:ext cx="4647399" cy="2031325"/>
+          </a:xfrm>
+          <a:prstGeom prst="rect">
+            <a:avLst/>
+          </a:prstGeom>
+          <a:noFill/>
+        </p:spPr>
+        <p:txBody>
+          <a:bodyPr wrap="square" rtlCol="0">
+            <a:spAutoFit/>
+          </a:bodyPr>
+          <a:lstStyle/>
+          <a:p>
+            <a:r>
+              <a:rPr lang="en-US" dirty="0"/>
+              <a:t>It’s hard to;</a:t>
+            </a:r>
+          </a:p>
+          <a:p>
+            <a:pPr marL="285750" indent="-285750">
+              <a:buFont typeface="Arial" panose="020B0604020202020204" pitchFamily="34" charset="0"/>
+              <a:buChar char="•"/>
+            </a:pPr>
+            <a:r>
+              <a:rPr lang="en-US" dirty="0"/>
+              <a:t>Develop</a:t>
+            </a:r>
+          </a:p>
+          <a:p>
+            <a:pPr marL="285750" indent="-285750">
+              <a:buFont typeface="Arial" panose="020B0604020202020204" pitchFamily="34" charset="0"/>
+              <a:buChar char="•"/>
+            </a:pPr>
+            <a:r>
+              <a:rPr lang="en-US" dirty="0"/>
+              <a:t>Maintain / Keep up to date</a:t>
+            </a:r>
+          </a:p>
+          <a:p>
+            <a:pPr marL="285750" indent="-285750">
+              <a:buFont typeface="Arial" panose="020B0604020202020204" pitchFamily="34" charset="0"/>
+              <a:buChar char="•"/>
+            </a:pPr>
+            <a:r>
+              <a:rPr lang="en-US" dirty="0"/>
+              <a:t>Document</a:t>
+            </a:r>
+          </a:p>
+          <a:p>
+            <a:pPr marL="285750" indent="-285750">
+              <a:buFont typeface="Arial" panose="020B0604020202020204" pitchFamily="34" charset="0"/>
+              <a:buChar char="•"/>
+            </a:pPr>
+            <a:r>
+              <a:rPr lang="en-US" dirty="0"/>
+              <a:t>Train developers</a:t>
+            </a:r>
+          </a:p>
+          <a:p>
+            <a:endParaRPr lang="en-US" dirty="0"/>
+          </a:p>
+          <a:p>
+            <a:r>
+              <a:rPr lang="en-US" b="1" dirty="0"/>
+              <a:t>      Needs a dedicated framework team!</a:t>
+            </a:r>
+          </a:p>
+        </p:txBody>
+      </p:sp>
+      <p:pic>
+        <p:nvPicPr>
+          <p:cNvPr id="21" name="Picture 20">
+            <a:extLst>
+              <a:ext uri="{FF2B5EF4-FFF2-40B4-BE49-F238E27FC236}">
+                <a16:creationId xmlns:a16="http://schemas.microsoft.com/office/drawing/2014/main" id="{F7592F7F-B5B0-48A1-808A-1B4FB59C3A30}"/>
+              </a:ext>
+            </a:extLst>
+          </p:cNvPr>
+          <p:cNvPicPr>
+            <a:picLocks noChangeAspect="1"/>
+          </p:cNvPicPr>
+          <p:nvPr/>
+        </p:nvPicPr>
+        <p:blipFill>
+          <a:blip r:embed="rId3">
+            <a:extLst>
+              <a:ext uri="{28A0092B-C50C-407E-A947-70E740481C1C}">
+                <a14:useLocalDpi xmlns:a14="http://schemas.microsoft.com/office/drawing/2010/main" val="0"/>
+              </a:ext>
+            </a:extLst>
+          </a:blip>
+          <a:stretch>
+            <a:fillRect/>
+          </a:stretch>
+        </p:blipFill>
+        <p:spPr>
+          <a:xfrm>
+            <a:off x="7664754" y="4738890"/>
+            <a:ext cx="2808243" cy="966752"/>
+          </a:xfrm>
+          <a:prstGeom prst="rect">
+            <a:avLst/>
+          </a:prstGeom>
+        </p:spPr>
+      </p:pic>
+      <p:cxnSp>
+        <p:nvCxnSpPr>
+          <p:cNvPr id="24" name="Connector: Curved 23">
+            <a:extLst>
+              <a:ext uri="{FF2B5EF4-FFF2-40B4-BE49-F238E27FC236}">
+                <a16:creationId xmlns:a16="http://schemas.microsoft.com/office/drawing/2014/main" id="{810A9305-D075-4B13-8B8B-C11593F356D8}"/>
+              </a:ext>
+            </a:extLst>
+          </p:cNvPr>
+          <p:cNvCxnSpPr>
+            <a:cxnSpLocks/>
+            <a:stCxn id="21" idx="1"/>
+            <a:endCxn id="10" idx="3"/>
+          </p:cNvCxnSpPr>
+          <p:nvPr/>
+        </p:nvCxnSpPr>
+        <p:spPr>
+          <a:xfrm rot="10800000">
+            <a:off x="6737684" y="3646110"/>
+            <a:ext cx="927070" cy="1576156"/>
+          </a:xfrm>
+          <a:prstGeom prst="curvedConnector3">
+            <a:avLst/>
+          </a:prstGeom>
+          <a:ln w="38100">
+            <a:solidFill>
+              <a:schemeClr val="tx1"/>
+            </a:solidFill>
+            <a:tailEnd type="triangle"/>
+          </a:ln>
+        </p:spPr>
+        <p:style>
+          <a:lnRef idx="1">
+            <a:schemeClr val="accent1"/>
+          </a:lnRef>
+          <a:fillRef idx="0">
+            <a:schemeClr val="accent1"/>
+          </a:fillRef>
+          <a:effectRef idx="0">
+            <a:schemeClr val="accent1"/>
+          </a:effectRef>
+          <a:fontRef idx="minor">
+            <a:schemeClr val="tx1"/>
+          </a:fontRef>
+        </p:style>
+      </p:cxnSp>
+    </p:spTree>
+    <p:extLst>
+      <p:ext uri="{BB962C8B-B14F-4D97-AF65-F5344CB8AC3E}">
+        <p14:creationId xmlns:p14="http://schemas.microsoft.com/office/powerpoint/2010/main" val="292240537"/>
+      </p:ext>
+    </p:extLst>
+  </p:cSld>
+  <p:clrMapOvr>
+    <a:masterClrMapping/>
+  </p:clrMapOvr>
+</p:sld>
+</file>
+
+<file path=ppt/slides/slide4.xml><?xml version="1.0" encoding="utf-8"?>
+<p:sld xmlns:a="http://schemas.openxmlformats.org/drawingml/2006/main" xmlns:r="http://schemas.openxmlformats.org/officeDocument/2006/relationships" xmlns:p="http://schemas.openxmlformats.org/presentationml/2006/main">
+  <p:cSld>
+    <p:spTree>
+      <p:nvGrpSpPr>
+        <p:cNvPr id="1" name=""/>
+        <p:cNvGrpSpPr/>
+        <p:nvPr/>
+      </p:nvGrpSpPr>
+      <p:grpSpPr>
+        <a:xfrm>
+          <a:off x="0" y="0"/>
+          <a:ext cx="0" cy="0"/>
+          <a:chOff x="0" y="0"/>
+          <a:chExt cx="0" cy="0"/>
+        </a:xfrm>
+      </p:grpSpPr>
+      <p:sp>
+        <p:nvSpPr>
+          <p:cNvPr id="2" name="Title 1">
+            <a:extLst>
+              <a:ext uri="{FF2B5EF4-FFF2-40B4-BE49-F238E27FC236}">
+                <a16:creationId xmlns:a16="http://schemas.microsoft.com/office/drawing/2014/main" id="{47950CF6-8856-4921-97FA-B962872BA69E}"/>
+              </a:ext>
+            </a:extLst>
+          </p:cNvPr>
+          <p:cNvSpPr>
+            <a:spLocks noGrp="1"/>
+          </p:cNvSpPr>
+          <p:nvPr>
+            <p:ph type="title"/>
+          </p:nvPr>
+        </p:nvSpPr>
+        <p:spPr>
+          <a:xfrm>
+            <a:off x="4138551" y="365125"/>
+            <a:ext cx="7529945" cy="1048039"/>
+          </a:xfrm>
+        </p:spPr>
+        <p:txBody>
+          <a:bodyPr>
+            <a:normAutofit/>
+          </a:bodyPr>
+          <a:lstStyle/>
+          <a:p>
+            <a:r>
+              <a:rPr lang="en-US" sz="3200" dirty="0"/>
+              <a:t>Architecture / Domain Driven Design</a:t>
+            </a:r>
+          </a:p>
+        </p:txBody>
+      </p:sp>
+      <p:pic>
+        <p:nvPicPr>
+          <p:cNvPr id="6" name="Content Placeholder 5">
+            <a:extLst>
+              <a:ext uri="{FF2B5EF4-FFF2-40B4-BE49-F238E27FC236}">
+                <a16:creationId xmlns:a16="http://schemas.microsoft.com/office/drawing/2014/main" id="{83451317-A204-4729-A427-EBDB9F2FB993}"/>
+              </a:ext>
+            </a:extLst>
+          </p:cNvPr>
+          <p:cNvPicPr>
+            <a:picLocks noGrp="1" noChangeAspect="1"/>
+          </p:cNvPicPr>
+          <p:nvPr>
+            <p:ph idx="1"/>
+          </p:nvPr>
+        </p:nvPicPr>
+        <p:blipFill>
+          <a:blip r:embed="rId2">
+            <a:extLst>
+              <a:ext uri="{28A0092B-C50C-407E-A947-70E740481C1C}">
+                <a14:useLocalDpi xmlns:a14="http://schemas.microsoft.com/office/drawing/2010/main" val="0"/>
+              </a:ext>
+            </a:extLst>
+          </a:blip>
+          <a:stretch>
+            <a:fillRect/>
+          </a:stretch>
+        </p:blipFill>
+        <p:spPr>
+          <a:xfrm>
+            <a:off x="523504" y="483528"/>
+            <a:ext cx="3169722" cy="811232"/>
+          </a:xfrm>
+        </p:spPr>
+      </p:pic>
+      <p:sp>
+        <p:nvSpPr>
           <p:cNvPr id="8" name="Content Placeholder 2">
             <a:extLst>
               <a:ext uri="{FF2B5EF4-FFF2-40B4-BE49-F238E27FC236}">
@@ -3828,8 +5192,8 @@
         </p:nvSpPr>
         <p:spPr>
           <a:xfrm>
-            <a:off x="838200" y="1825625"/>
-            <a:ext cx="10830296" cy="4351338"/>
+            <a:off x="5261811" y="1825625"/>
+            <a:ext cx="6406685" cy="4351338"/>
           </a:xfrm>
           <a:prstGeom prst="rect">
             <a:avLst/>
@@ -4005,16 +5369,2166 @@
           </a:lstStyle>
           <a:p>
             <a:r>
-              <a:rPr lang="en-US" dirty="0"/>
-              <a:t>…</a:t>
-            </a:r>
-          </a:p>
-        </p:txBody>
-      </p:sp>
+              <a:rPr lang="en-US" sz="2400" dirty="0"/>
+              <a:t>Application model, based on </a:t>
+            </a:r>
+            <a:r>
+              <a:rPr lang="en-US" sz="2400" b="1" dirty="0"/>
+              <a:t>DDD </a:t>
+            </a:r>
+            <a:r>
+              <a:rPr lang="en-US" sz="2400" dirty="0"/>
+              <a:t>patterns &amp; principles</a:t>
+            </a:r>
+          </a:p>
+          <a:p>
+            <a:pPr lvl="1"/>
+            <a:r>
+              <a:rPr lang="en-US" sz="2000" b="1" dirty="0"/>
+              <a:t>Layers</a:t>
+            </a:r>
+            <a:r>
+              <a:rPr lang="en-US" sz="2000" dirty="0"/>
+              <a:t>: Domain, Application, Presentation and Infrastructure.</a:t>
+            </a:r>
+          </a:p>
+          <a:p>
+            <a:r>
+              <a:rPr lang="en-US" sz="2400" dirty="0"/>
+              <a:t>Well structured </a:t>
+            </a:r>
+            <a:r>
+              <a:rPr lang="en-US" sz="2400" b="1" dirty="0"/>
+              <a:t>startup template</a:t>
+            </a:r>
+            <a:r>
+              <a:rPr lang="en-US" sz="2400" dirty="0"/>
+              <a:t>s</a:t>
+            </a:r>
+          </a:p>
+          <a:p>
+            <a:r>
+              <a:rPr lang="en-US" sz="2400" b="1" dirty="0"/>
+              <a:t>Infrastructure </a:t>
+            </a:r>
+            <a:r>
+              <a:rPr lang="en-US" sz="2400" dirty="0"/>
+              <a:t>for entities, repositories, unit of work, application services… etc.</a:t>
+            </a:r>
+          </a:p>
+          <a:p>
+            <a:r>
+              <a:rPr lang="en-US" sz="2400" dirty="0"/>
+              <a:t>Documentation &amp; </a:t>
+            </a:r>
+            <a:r>
+              <a:rPr lang="en-US" sz="2400" b="1" dirty="0"/>
+              <a:t>best practice guides</a:t>
+            </a:r>
+          </a:p>
+        </p:txBody>
+      </p:sp>
+      <p:pic>
+        <p:nvPicPr>
+          <p:cNvPr id="2050" name="Picture 2">
+            <a:extLst>
+              <a:ext uri="{FF2B5EF4-FFF2-40B4-BE49-F238E27FC236}">
+                <a16:creationId xmlns:a16="http://schemas.microsoft.com/office/drawing/2014/main" id="{8751C003-5EE0-46D9-BA17-3AC6C914F9E3}"/>
+              </a:ext>
+            </a:extLst>
+          </p:cNvPr>
+          <p:cNvPicPr>
+            <a:picLocks noChangeAspect="1" noChangeArrowheads="1"/>
+          </p:cNvPicPr>
+          <p:nvPr/>
+        </p:nvPicPr>
+        <p:blipFill>
+          <a:blip r:embed="rId3">
+            <a:extLst>
+              <a:ext uri="{28A0092B-C50C-407E-A947-70E740481C1C}">
+                <a14:useLocalDpi xmlns:a14="http://schemas.microsoft.com/office/drawing/2010/main" val="0"/>
+              </a:ext>
+            </a:extLst>
+          </a:blip>
+          <a:srcRect/>
+          <a:stretch>
+            <a:fillRect/>
+          </a:stretch>
+        </p:blipFill>
+        <p:spPr bwMode="auto">
+          <a:xfrm>
+            <a:off x="1125622" y="2161673"/>
+            <a:ext cx="3352800" cy="3048000"/>
+          </a:xfrm>
+          <a:prstGeom prst="rect">
+            <a:avLst/>
+          </a:prstGeom>
+          <a:noFill/>
+          <a:extLst>
+            <a:ext uri="{909E8E84-426E-40DD-AFC4-6F175D3DCCD1}">
+              <a14:hiddenFill xmlns:a14="http://schemas.microsoft.com/office/drawing/2010/main">
+                <a:solidFill>
+                  <a:srgbClr val="FFFFFF"/>
+                </a:solidFill>
+              </a14:hiddenFill>
+            </a:ext>
+          </a:extLst>
+        </p:spPr>
+      </p:pic>
     </p:spTree>
     <p:extLst>
       <p:ext uri="{BB962C8B-B14F-4D97-AF65-F5344CB8AC3E}">
         <p14:creationId xmlns:p14="http://schemas.microsoft.com/office/powerpoint/2010/main" val="397595601"/>
+      </p:ext>
+    </p:extLst>
+  </p:cSld>
+  <p:clrMapOvr>
+    <a:masterClrMapping/>
+  </p:clrMapOvr>
+</p:sld>
+</file>
+
+<file path=ppt/slides/slide5.xml><?xml version="1.0" encoding="utf-8"?>
+<p:sld xmlns:a="http://schemas.openxmlformats.org/drawingml/2006/main" xmlns:r="http://schemas.openxmlformats.org/officeDocument/2006/relationships" xmlns:p="http://schemas.openxmlformats.org/presentationml/2006/main">
+  <p:cSld>
+    <p:spTree>
+      <p:nvGrpSpPr>
+        <p:cNvPr id="1" name=""/>
+        <p:cNvGrpSpPr/>
+        <p:nvPr/>
+      </p:nvGrpSpPr>
+      <p:grpSpPr>
+        <a:xfrm>
+          <a:off x="0" y="0"/>
+          <a:ext cx="0" cy="0"/>
+          <a:chOff x="0" y="0"/>
+          <a:chExt cx="0" cy="0"/>
+        </a:xfrm>
+      </p:grpSpPr>
+      <p:sp>
+        <p:nvSpPr>
+          <p:cNvPr id="5" name="Rectangle 4">
+            <a:extLst>
+              <a:ext uri="{FF2B5EF4-FFF2-40B4-BE49-F238E27FC236}">
+                <a16:creationId xmlns:a16="http://schemas.microsoft.com/office/drawing/2014/main" id="{A9EE22C4-DFB5-459B-A276-F7DFEBBC2A58}"/>
+              </a:ext>
+            </a:extLst>
+          </p:cNvPr>
+          <p:cNvSpPr/>
+          <p:nvPr/>
+        </p:nvSpPr>
+        <p:spPr>
+          <a:xfrm>
+            <a:off x="523504" y="1769979"/>
+            <a:ext cx="7064412" cy="2347495"/>
+          </a:xfrm>
+          <a:prstGeom prst="rect">
+            <a:avLst/>
+          </a:prstGeom>
+        </p:spPr>
+        <p:style>
+          <a:lnRef idx="0">
+            <a:schemeClr val="accent3"/>
+          </a:lnRef>
+          <a:fillRef idx="3">
+            <a:schemeClr val="accent3"/>
+          </a:fillRef>
+          <a:effectRef idx="3">
+            <a:schemeClr val="accent3"/>
+          </a:effectRef>
+          <a:fontRef idx="minor">
+            <a:schemeClr val="lt1"/>
+          </a:fontRef>
+        </p:style>
+        <p:txBody>
+          <a:bodyPr rtlCol="0" anchor="t"/>
+          <a:lstStyle/>
+          <a:p>
+            <a:pPr algn="ctr"/>
+            <a:r>
+              <a:rPr lang="en-US" sz="2400" b="1" u="sng" dirty="0"/>
+              <a:t>Application</a:t>
+            </a:r>
+          </a:p>
+        </p:txBody>
+      </p:sp>
+      <p:sp>
+        <p:nvSpPr>
+          <p:cNvPr id="2" name="Title 1">
+            <a:extLst>
+              <a:ext uri="{FF2B5EF4-FFF2-40B4-BE49-F238E27FC236}">
+                <a16:creationId xmlns:a16="http://schemas.microsoft.com/office/drawing/2014/main" id="{47950CF6-8856-4921-97FA-B962872BA69E}"/>
+              </a:ext>
+            </a:extLst>
+          </p:cNvPr>
+          <p:cNvSpPr>
+            <a:spLocks noGrp="1"/>
+          </p:cNvSpPr>
+          <p:nvPr>
+            <p:ph type="title"/>
+          </p:nvPr>
+        </p:nvSpPr>
+        <p:spPr>
+          <a:xfrm>
+            <a:off x="4138551" y="365125"/>
+            <a:ext cx="7529945" cy="1048039"/>
+          </a:xfrm>
+        </p:spPr>
+        <p:txBody>
+          <a:bodyPr>
+            <a:normAutofit/>
+          </a:bodyPr>
+          <a:lstStyle/>
+          <a:p>
+            <a:r>
+              <a:rPr lang="en-US" sz="3200" dirty="0"/>
+              <a:t>Architecture / Modularity</a:t>
+            </a:r>
+          </a:p>
+        </p:txBody>
+      </p:sp>
+      <p:pic>
+        <p:nvPicPr>
+          <p:cNvPr id="6" name="Content Placeholder 5">
+            <a:extLst>
+              <a:ext uri="{FF2B5EF4-FFF2-40B4-BE49-F238E27FC236}">
+                <a16:creationId xmlns:a16="http://schemas.microsoft.com/office/drawing/2014/main" id="{83451317-A204-4729-A427-EBDB9F2FB993}"/>
+              </a:ext>
+            </a:extLst>
+          </p:cNvPr>
+          <p:cNvPicPr>
+            <a:picLocks noGrp="1" noChangeAspect="1"/>
+          </p:cNvPicPr>
+          <p:nvPr>
+            <p:ph idx="1"/>
+          </p:nvPr>
+        </p:nvPicPr>
+        <p:blipFill>
+          <a:blip r:embed="rId2">
+            <a:extLst>
+              <a:ext uri="{28A0092B-C50C-407E-A947-70E740481C1C}">
+                <a14:useLocalDpi xmlns:a14="http://schemas.microsoft.com/office/drawing/2010/main" val="0"/>
+              </a:ext>
+            </a:extLst>
+          </a:blip>
+          <a:stretch>
+            <a:fillRect/>
+          </a:stretch>
+        </p:blipFill>
+        <p:spPr>
+          <a:xfrm>
+            <a:off x="523504" y="483528"/>
+            <a:ext cx="3169722" cy="811232"/>
+          </a:xfrm>
+        </p:spPr>
+      </p:pic>
+      <p:sp>
+        <p:nvSpPr>
+          <p:cNvPr id="3" name="Rectangle 2">
+            <a:extLst>
+              <a:ext uri="{FF2B5EF4-FFF2-40B4-BE49-F238E27FC236}">
+                <a16:creationId xmlns:a16="http://schemas.microsoft.com/office/drawing/2014/main" id="{A328E0E8-B429-4B39-83DD-0277B6A4AF4B}"/>
+              </a:ext>
+            </a:extLst>
+          </p:cNvPr>
+          <p:cNvSpPr/>
+          <p:nvPr/>
+        </p:nvSpPr>
+        <p:spPr>
+          <a:xfrm>
+            <a:off x="759326" y="2390274"/>
+            <a:ext cx="3283285" cy="721894"/>
+          </a:xfrm>
+          <a:prstGeom prst="rect">
+            <a:avLst/>
+          </a:prstGeom>
+        </p:spPr>
+        <p:style>
+          <a:lnRef idx="2">
+            <a:schemeClr val="accent1">
+              <a:shade val="50000"/>
+            </a:schemeClr>
+          </a:lnRef>
+          <a:fillRef idx="1">
+            <a:schemeClr val="accent1"/>
+          </a:fillRef>
+          <a:effectRef idx="0">
+            <a:schemeClr val="accent1"/>
+          </a:effectRef>
+          <a:fontRef idx="minor">
+            <a:schemeClr val="lt1"/>
+          </a:fontRef>
+        </p:style>
+        <p:txBody>
+          <a:bodyPr rtlCol="0" anchor="ctr"/>
+          <a:lstStyle/>
+          <a:p>
+            <a:pPr algn="ctr"/>
+            <a:r>
+              <a:rPr lang="en-US" b="1" u="sng" dirty="0"/>
+              <a:t>Module A</a:t>
+            </a:r>
+          </a:p>
+          <a:p>
+            <a:pPr algn="ctr"/>
+            <a:r>
+              <a:rPr lang="en-US" sz="1600" dirty="0"/>
+              <a:t>Entities, Services, APIs, UI Pages, DB</a:t>
+            </a:r>
+          </a:p>
+        </p:txBody>
+      </p:sp>
+      <p:sp>
+        <p:nvSpPr>
+          <p:cNvPr id="14" name="Rectangle 13">
+            <a:extLst>
+              <a:ext uri="{FF2B5EF4-FFF2-40B4-BE49-F238E27FC236}">
+                <a16:creationId xmlns:a16="http://schemas.microsoft.com/office/drawing/2014/main" id="{70E350BB-259F-437D-907F-6F7778B36027}"/>
+              </a:ext>
+            </a:extLst>
+          </p:cNvPr>
+          <p:cNvSpPr/>
+          <p:nvPr/>
+        </p:nvSpPr>
+        <p:spPr>
+          <a:xfrm>
+            <a:off x="4184316" y="2390274"/>
+            <a:ext cx="3283285" cy="721894"/>
+          </a:xfrm>
+          <a:prstGeom prst="rect">
+            <a:avLst/>
+          </a:prstGeom>
+        </p:spPr>
+        <p:style>
+          <a:lnRef idx="2">
+            <a:schemeClr val="accent6">
+              <a:shade val="50000"/>
+            </a:schemeClr>
+          </a:lnRef>
+          <a:fillRef idx="1">
+            <a:schemeClr val="accent6"/>
+          </a:fillRef>
+          <a:effectRef idx="0">
+            <a:schemeClr val="accent6"/>
+          </a:effectRef>
+          <a:fontRef idx="minor">
+            <a:schemeClr val="lt1"/>
+          </a:fontRef>
+        </p:style>
+        <p:txBody>
+          <a:bodyPr rtlCol="0" anchor="ctr"/>
+          <a:lstStyle/>
+          <a:p>
+            <a:pPr algn="ctr"/>
+            <a:r>
+              <a:rPr lang="en-US" b="1" u="sng" dirty="0"/>
+              <a:t>Module B</a:t>
+            </a:r>
+          </a:p>
+          <a:p>
+            <a:pPr algn="ctr"/>
+            <a:r>
+              <a:rPr lang="en-US" sz="1600" dirty="0"/>
+              <a:t>Entities, Services, APIs, UI Pages, DB</a:t>
+            </a:r>
+          </a:p>
+        </p:txBody>
+      </p:sp>
+      <p:sp>
+        <p:nvSpPr>
+          <p:cNvPr id="15" name="Rectangle 14">
+            <a:extLst>
+              <a:ext uri="{FF2B5EF4-FFF2-40B4-BE49-F238E27FC236}">
+                <a16:creationId xmlns:a16="http://schemas.microsoft.com/office/drawing/2014/main" id="{F3348E5F-30B7-4C29-BFAE-0B7BFA17E3B3}"/>
+              </a:ext>
+            </a:extLst>
+          </p:cNvPr>
+          <p:cNvSpPr/>
+          <p:nvPr/>
+        </p:nvSpPr>
+        <p:spPr>
+          <a:xfrm>
+            <a:off x="759326" y="3259222"/>
+            <a:ext cx="3283285" cy="721894"/>
+          </a:xfrm>
+          <a:prstGeom prst="rect">
+            <a:avLst/>
+          </a:prstGeom>
+        </p:spPr>
+        <p:style>
+          <a:lnRef idx="2">
+            <a:schemeClr val="accent2">
+              <a:shade val="50000"/>
+            </a:schemeClr>
+          </a:lnRef>
+          <a:fillRef idx="1">
+            <a:schemeClr val="accent2"/>
+          </a:fillRef>
+          <a:effectRef idx="0">
+            <a:schemeClr val="accent2"/>
+          </a:effectRef>
+          <a:fontRef idx="minor">
+            <a:schemeClr val="lt1"/>
+          </a:fontRef>
+        </p:style>
+        <p:txBody>
+          <a:bodyPr rtlCol="0" anchor="ctr"/>
+          <a:lstStyle/>
+          <a:p>
+            <a:pPr algn="ctr"/>
+            <a:r>
+              <a:rPr lang="en-US" b="1" u="sng" dirty="0"/>
+              <a:t>Module C</a:t>
+            </a:r>
+          </a:p>
+          <a:p>
+            <a:pPr algn="ctr"/>
+            <a:r>
+              <a:rPr lang="en-US" sz="1600" dirty="0"/>
+              <a:t>Entities, Services, APIs, UI Pages, DB</a:t>
+            </a:r>
+          </a:p>
+        </p:txBody>
+      </p:sp>
+      <p:sp>
+        <p:nvSpPr>
+          <p:cNvPr id="16" name="Rectangle 15">
+            <a:extLst>
+              <a:ext uri="{FF2B5EF4-FFF2-40B4-BE49-F238E27FC236}">
+                <a16:creationId xmlns:a16="http://schemas.microsoft.com/office/drawing/2014/main" id="{09FE6346-36DA-41C9-A373-62338578B213}"/>
+              </a:ext>
+            </a:extLst>
+          </p:cNvPr>
+          <p:cNvSpPr/>
+          <p:nvPr/>
+        </p:nvSpPr>
+        <p:spPr>
+          <a:xfrm>
+            <a:off x="4184316" y="3259222"/>
+            <a:ext cx="3283285" cy="721894"/>
+          </a:xfrm>
+          <a:prstGeom prst="rect">
+            <a:avLst/>
+          </a:prstGeom>
+        </p:spPr>
+        <p:style>
+          <a:lnRef idx="2">
+            <a:schemeClr val="accent4">
+              <a:shade val="50000"/>
+            </a:schemeClr>
+          </a:lnRef>
+          <a:fillRef idx="1">
+            <a:schemeClr val="accent4"/>
+          </a:fillRef>
+          <a:effectRef idx="0">
+            <a:schemeClr val="accent4"/>
+          </a:effectRef>
+          <a:fontRef idx="minor">
+            <a:schemeClr val="lt1"/>
+          </a:fontRef>
+        </p:style>
+        <p:txBody>
+          <a:bodyPr rtlCol="0" anchor="ctr"/>
+          <a:lstStyle/>
+          <a:p>
+            <a:pPr algn="ctr"/>
+            <a:r>
+              <a:rPr lang="en-US" b="1" u="sng" dirty="0"/>
+              <a:t>Module D</a:t>
+            </a:r>
+          </a:p>
+          <a:p>
+            <a:pPr algn="ctr"/>
+            <a:r>
+              <a:rPr lang="en-US" sz="1600" dirty="0"/>
+              <a:t>Entities, Services, APIs, UI Pages, DB</a:t>
+            </a:r>
+          </a:p>
+        </p:txBody>
+      </p:sp>
+      <p:sp>
+        <p:nvSpPr>
+          <p:cNvPr id="17" name="TextBox 16">
+            <a:extLst>
+              <a:ext uri="{FF2B5EF4-FFF2-40B4-BE49-F238E27FC236}">
+                <a16:creationId xmlns:a16="http://schemas.microsoft.com/office/drawing/2014/main" id="{104987E5-B0A3-4054-8330-9808C6C0EDFC}"/>
+              </a:ext>
+            </a:extLst>
+          </p:cNvPr>
+          <p:cNvSpPr txBox="1"/>
+          <p:nvPr/>
+        </p:nvSpPr>
+        <p:spPr>
+          <a:xfrm>
+            <a:off x="7887368" y="1721853"/>
+            <a:ext cx="3919621" cy="2031325"/>
+          </a:xfrm>
+          <a:prstGeom prst="rect">
+            <a:avLst/>
+          </a:prstGeom>
+          <a:noFill/>
+        </p:spPr>
+        <p:txBody>
+          <a:bodyPr wrap="square" rtlCol="0">
+            <a:spAutoFit/>
+          </a:bodyPr>
+          <a:lstStyle/>
+          <a:p>
+            <a:r>
+              <a:rPr lang="en-US" u="sng" dirty="0"/>
+              <a:t>Pre-Built Modules</a:t>
+            </a:r>
+          </a:p>
+          <a:p>
+            <a:pPr marL="285750" indent="-285750">
+              <a:buFont typeface="Arial" panose="020B0604020202020204" pitchFamily="34" charset="0"/>
+              <a:buChar char="•"/>
+            </a:pPr>
+            <a:r>
+              <a:rPr lang="en-US" dirty="0"/>
+              <a:t>Account</a:t>
+            </a:r>
+          </a:p>
+          <a:p>
+            <a:pPr marL="285750" indent="-285750">
+              <a:buFont typeface="Arial" panose="020B0604020202020204" pitchFamily="34" charset="0"/>
+              <a:buChar char="•"/>
+            </a:pPr>
+            <a:r>
+              <a:rPr lang="en-US" dirty="0"/>
+              <a:t>Identity Management</a:t>
+            </a:r>
+          </a:p>
+          <a:p>
+            <a:pPr marL="285750" indent="-285750">
+              <a:buFont typeface="Arial" panose="020B0604020202020204" pitchFamily="34" charset="0"/>
+              <a:buChar char="•"/>
+            </a:pPr>
+            <a:r>
+              <a:rPr lang="en-US" dirty="0"/>
+              <a:t>Tenant Management</a:t>
+            </a:r>
+          </a:p>
+          <a:p>
+            <a:pPr marL="285750" indent="-285750">
+              <a:buFont typeface="Arial" panose="020B0604020202020204" pitchFamily="34" charset="0"/>
+              <a:buChar char="•"/>
+            </a:pPr>
+            <a:r>
+              <a:rPr lang="en-US" dirty="0"/>
+              <a:t>Setting Management</a:t>
+            </a:r>
+          </a:p>
+          <a:p>
+            <a:pPr marL="285750" indent="-285750">
+              <a:buFont typeface="Arial" panose="020B0604020202020204" pitchFamily="34" charset="0"/>
+              <a:buChar char="•"/>
+            </a:pPr>
+            <a:r>
+              <a:rPr lang="en-US" dirty="0"/>
+              <a:t>Permission Management</a:t>
+            </a:r>
+          </a:p>
+          <a:p>
+            <a:pPr marL="285750" indent="-285750">
+              <a:buFont typeface="Arial" panose="020B0604020202020204" pitchFamily="34" charset="0"/>
+              <a:buChar char="•"/>
+            </a:pPr>
+            <a:r>
+              <a:rPr lang="en-US" dirty="0"/>
+              <a:t>…</a:t>
+            </a:r>
+          </a:p>
+        </p:txBody>
+      </p:sp>
+    </p:spTree>
+    <p:extLst>
+      <p:ext uri="{BB962C8B-B14F-4D97-AF65-F5344CB8AC3E}">
+        <p14:creationId xmlns:p14="http://schemas.microsoft.com/office/powerpoint/2010/main" val="3546792672"/>
+      </p:ext>
+    </p:extLst>
+  </p:cSld>
+  <p:clrMapOvr>
+    <a:masterClrMapping/>
+  </p:clrMapOvr>
+</p:sld>
+</file>
+
+<file path=ppt/slides/slide6.xml><?xml version="1.0" encoding="utf-8"?>
+<p:sld xmlns:a="http://schemas.openxmlformats.org/drawingml/2006/main" xmlns:r="http://schemas.openxmlformats.org/officeDocument/2006/relationships" xmlns:p="http://schemas.openxmlformats.org/presentationml/2006/main">
+  <p:cSld>
+    <p:spTree>
+      <p:nvGrpSpPr>
+        <p:cNvPr id="1" name=""/>
+        <p:cNvGrpSpPr/>
+        <p:nvPr/>
+      </p:nvGrpSpPr>
+      <p:grpSpPr>
+        <a:xfrm>
+          <a:off x="0" y="0"/>
+          <a:ext cx="0" cy="0"/>
+          <a:chOff x="0" y="0"/>
+          <a:chExt cx="0" cy="0"/>
+        </a:xfrm>
+      </p:grpSpPr>
+      <p:sp>
+        <p:nvSpPr>
+          <p:cNvPr id="2" name="Title 1">
+            <a:extLst>
+              <a:ext uri="{FF2B5EF4-FFF2-40B4-BE49-F238E27FC236}">
+                <a16:creationId xmlns:a16="http://schemas.microsoft.com/office/drawing/2014/main" id="{47950CF6-8856-4921-97FA-B962872BA69E}"/>
+              </a:ext>
+            </a:extLst>
+          </p:cNvPr>
+          <p:cNvSpPr>
+            <a:spLocks noGrp="1"/>
+          </p:cNvSpPr>
+          <p:nvPr>
+            <p:ph type="title"/>
+          </p:nvPr>
+        </p:nvSpPr>
+        <p:spPr>
+          <a:xfrm>
+            <a:off x="4138551" y="365125"/>
+            <a:ext cx="7529945" cy="1048039"/>
+          </a:xfrm>
+        </p:spPr>
+        <p:txBody>
+          <a:bodyPr>
+            <a:normAutofit/>
+          </a:bodyPr>
+          <a:lstStyle/>
+          <a:p>
+            <a:r>
+              <a:rPr lang="en-US" sz="3200" dirty="0"/>
+              <a:t>Architecture / Microservices</a:t>
+            </a:r>
+          </a:p>
+        </p:txBody>
+      </p:sp>
+      <p:pic>
+        <p:nvPicPr>
+          <p:cNvPr id="6" name="Content Placeholder 5">
+            <a:extLst>
+              <a:ext uri="{FF2B5EF4-FFF2-40B4-BE49-F238E27FC236}">
+                <a16:creationId xmlns:a16="http://schemas.microsoft.com/office/drawing/2014/main" id="{83451317-A204-4729-A427-EBDB9F2FB993}"/>
+              </a:ext>
+            </a:extLst>
+          </p:cNvPr>
+          <p:cNvPicPr>
+            <a:picLocks noGrp="1" noChangeAspect="1"/>
+          </p:cNvPicPr>
+          <p:nvPr>
+            <p:ph idx="1"/>
+          </p:nvPr>
+        </p:nvPicPr>
+        <p:blipFill>
+          <a:blip r:embed="rId2">
+            <a:extLst>
+              <a:ext uri="{28A0092B-C50C-407E-A947-70E740481C1C}">
+                <a14:useLocalDpi xmlns:a14="http://schemas.microsoft.com/office/drawing/2010/main" val="0"/>
+              </a:ext>
+            </a:extLst>
+          </a:blip>
+          <a:stretch>
+            <a:fillRect/>
+          </a:stretch>
+        </p:blipFill>
+        <p:spPr>
+          <a:xfrm>
+            <a:off x="523504" y="483528"/>
+            <a:ext cx="3169722" cy="811232"/>
+          </a:xfrm>
+        </p:spPr>
+      </p:pic>
+      <p:sp>
+        <p:nvSpPr>
+          <p:cNvPr id="8" name="Content Placeholder 2">
+            <a:extLst>
+              <a:ext uri="{FF2B5EF4-FFF2-40B4-BE49-F238E27FC236}">
+                <a16:creationId xmlns:a16="http://schemas.microsoft.com/office/drawing/2014/main" id="{A92399CC-EFF6-4058-89C7-4D020BCBC9F2}"/>
+              </a:ext>
+            </a:extLst>
+          </p:cNvPr>
+          <p:cNvSpPr txBox="1">
+            <a:spLocks/>
+          </p:cNvSpPr>
+          <p:nvPr/>
+        </p:nvSpPr>
+        <p:spPr>
+          <a:xfrm>
+            <a:off x="632012" y="1825625"/>
+            <a:ext cx="4805082" cy="4351338"/>
+          </a:xfrm>
+          <a:prstGeom prst="rect">
+            <a:avLst/>
+          </a:prstGeom>
+        </p:spPr>
+        <p:txBody>
+          <a:bodyPr vert="horz" lIns="91440" tIns="45720" rIns="91440" bIns="45720" rtlCol="0">
+            <a:normAutofit/>
+          </a:bodyPr>
+          <a:lstStyle>
+            <a:lvl1pPr marL="228600" indent="-228600" algn="l" defTabSz="914400" rtl="0" eaLnBrk="1" latinLnBrk="0" hangingPunct="1">
+              <a:lnSpc>
+                <a:spcPct val="90000"/>
+              </a:lnSpc>
+              <a:spcBef>
+                <a:spcPts val="1000"/>
+              </a:spcBef>
+              <a:buFont typeface="Arial" panose="020B0604020202020204" pitchFamily="34" charset="0"/>
+              <a:buChar char="•"/>
+              <a:defRPr sz="2800" kern="1200">
+                <a:solidFill>
+                  <a:schemeClr val="tx1"/>
+                </a:solidFill>
+                <a:latin typeface="+mn-lt"/>
+                <a:ea typeface="+mn-ea"/>
+                <a:cs typeface="+mn-cs"/>
+              </a:defRPr>
+            </a:lvl1pPr>
+            <a:lvl2pPr marL="685800" indent="-228600" algn="l" defTabSz="914400" rtl="0" eaLnBrk="1" latinLnBrk="0" hangingPunct="1">
+              <a:lnSpc>
+                <a:spcPct val="90000"/>
+              </a:lnSpc>
+              <a:spcBef>
+                <a:spcPts val="500"/>
+              </a:spcBef>
+              <a:buFont typeface="Arial" panose="020B0604020202020204" pitchFamily="34" charset="0"/>
+              <a:buChar char="•"/>
+              <a:defRPr sz="2400" kern="1200">
+                <a:solidFill>
+                  <a:schemeClr val="tx1"/>
+                </a:solidFill>
+                <a:latin typeface="+mn-lt"/>
+                <a:ea typeface="+mn-ea"/>
+                <a:cs typeface="+mn-cs"/>
+              </a:defRPr>
+            </a:lvl2pPr>
+            <a:lvl3pPr marL="1143000" indent="-228600" algn="l" defTabSz="914400" rtl="0" eaLnBrk="1" latinLnBrk="0" hangingPunct="1">
+              <a:lnSpc>
+                <a:spcPct val="90000"/>
+              </a:lnSpc>
+              <a:spcBef>
+                <a:spcPts val="500"/>
+              </a:spcBef>
+              <a:buFont typeface="Arial" panose="020B0604020202020204" pitchFamily="34" charset="0"/>
+              <a:buChar char="•"/>
+              <a:defRPr sz="2000" kern="1200">
+                <a:solidFill>
+                  <a:schemeClr val="tx1"/>
+                </a:solidFill>
+                <a:latin typeface="+mn-lt"/>
+                <a:ea typeface="+mn-ea"/>
+                <a:cs typeface="+mn-cs"/>
+              </a:defRPr>
+            </a:lvl3pPr>
+            <a:lvl4pPr marL="1600200" indent="-228600" algn="l" defTabSz="914400" rtl="0" eaLnBrk="1" latinLnBrk="0" hangingPunct="1">
+              <a:lnSpc>
+                <a:spcPct val="90000"/>
+              </a:lnSpc>
+              <a:spcBef>
+                <a:spcPts val="500"/>
+              </a:spcBef>
+              <a:buFont typeface="Arial" panose="020B0604020202020204" pitchFamily="34" charset="0"/>
+              <a:buChar char="•"/>
+              <a:defRPr sz="1800" kern="1200">
+                <a:solidFill>
+                  <a:schemeClr val="tx1"/>
+                </a:solidFill>
+                <a:latin typeface="+mn-lt"/>
+                <a:ea typeface="+mn-ea"/>
+                <a:cs typeface="+mn-cs"/>
+              </a:defRPr>
+            </a:lvl4pPr>
+            <a:lvl5pPr marL="2057400" indent="-228600" algn="l" defTabSz="914400" rtl="0" eaLnBrk="1" latinLnBrk="0" hangingPunct="1">
+              <a:lnSpc>
+                <a:spcPct val="90000"/>
+              </a:lnSpc>
+              <a:spcBef>
+                <a:spcPts val="500"/>
+              </a:spcBef>
+              <a:buFont typeface="Arial" panose="020B0604020202020204" pitchFamily="34" charset="0"/>
+              <a:buChar char="•"/>
+              <a:defRPr sz="1800" kern="1200">
+                <a:solidFill>
+                  <a:schemeClr val="tx1"/>
+                </a:solidFill>
+                <a:latin typeface="+mn-lt"/>
+                <a:ea typeface="+mn-ea"/>
+                <a:cs typeface="+mn-cs"/>
+              </a:defRPr>
+            </a:lvl5pPr>
+            <a:lvl6pPr marL="2514600" indent="-228600" algn="l" defTabSz="914400" rtl="0" eaLnBrk="1" latinLnBrk="0" hangingPunct="1">
+              <a:lnSpc>
+                <a:spcPct val="90000"/>
+              </a:lnSpc>
+              <a:spcBef>
+                <a:spcPts val="500"/>
+              </a:spcBef>
+              <a:buFont typeface="Arial" panose="020B0604020202020204" pitchFamily="34" charset="0"/>
+              <a:buChar char="•"/>
+              <a:defRPr sz="1800" kern="1200">
+                <a:solidFill>
+                  <a:schemeClr val="tx1"/>
+                </a:solidFill>
+                <a:latin typeface="+mn-lt"/>
+                <a:ea typeface="+mn-ea"/>
+                <a:cs typeface="+mn-cs"/>
+              </a:defRPr>
+            </a:lvl6pPr>
+            <a:lvl7pPr marL="2971800" indent="-228600" algn="l" defTabSz="914400" rtl="0" eaLnBrk="1" latinLnBrk="0" hangingPunct="1">
+              <a:lnSpc>
+                <a:spcPct val="90000"/>
+              </a:lnSpc>
+              <a:spcBef>
+                <a:spcPts val="500"/>
+              </a:spcBef>
+              <a:buFont typeface="Arial" panose="020B0604020202020204" pitchFamily="34" charset="0"/>
+              <a:buChar char="•"/>
+              <a:defRPr sz="1800" kern="1200">
+                <a:solidFill>
+                  <a:schemeClr val="tx1"/>
+                </a:solidFill>
+                <a:latin typeface="+mn-lt"/>
+                <a:ea typeface="+mn-ea"/>
+                <a:cs typeface="+mn-cs"/>
+              </a:defRPr>
+            </a:lvl7pPr>
+            <a:lvl8pPr marL="3429000" indent="-228600" algn="l" defTabSz="914400" rtl="0" eaLnBrk="1" latinLnBrk="0" hangingPunct="1">
+              <a:lnSpc>
+                <a:spcPct val="90000"/>
+              </a:lnSpc>
+              <a:spcBef>
+                <a:spcPts val="500"/>
+              </a:spcBef>
+              <a:buFont typeface="Arial" panose="020B0604020202020204" pitchFamily="34" charset="0"/>
+              <a:buChar char="•"/>
+              <a:defRPr sz="1800" kern="1200">
+                <a:solidFill>
+                  <a:schemeClr val="tx1"/>
+                </a:solidFill>
+                <a:latin typeface="+mn-lt"/>
+                <a:ea typeface="+mn-ea"/>
+                <a:cs typeface="+mn-cs"/>
+              </a:defRPr>
+            </a:lvl8pPr>
+            <a:lvl9pPr marL="3886200" indent="-228600" algn="l" defTabSz="914400" rtl="0" eaLnBrk="1" latinLnBrk="0" hangingPunct="1">
+              <a:lnSpc>
+                <a:spcPct val="90000"/>
+              </a:lnSpc>
+              <a:spcBef>
+                <a:spcPts val="500"/>
+              </a:spcBef>
+              <a:buFont typeface="Arial" panose="020B0604020202020204" pitchFamily="34" charset="0"/>
+              <a:buChar char="•"/>
+              <a:defRPr sz="1800" kern="1200">
+                <a:solidFill>
+                  <a:schemeClr val="tx1"/>
+                </a:solidFill>
+                <a:latin typeface="+mn-lt"/>
+                <a:ea typeface="+mn-ea"/>
+                <a:cs typeface="+mn-cs"/>
+              </a:defRPr>
+            </a:lvl9pPr>
+          </a:lstStyle>
+          <a:p>
+            <a:r>
+              <a:rPr lang="en-US" sz="2400" dirty="0"/>
+              <a:t>Communication patterns</a:t>
+            </a:r>
+          </a:p>
+          <a:p>
+            <a:pPr lvl="1"/>
+            <a:r>
+              <a:rPr lang="en-US" sz="2000" dirty="0"/>
+              <a:t>API calls</a:t>
+            </a:r>
+          </a:p>
+          <a:p>
+            <a:pPr lvl="1"/>
+            <a:r>
+              <a:rPr lang="en-US" sz="2000" dirty="0"/>
+              <a:t>Distributed events (pub/sub model)</a:t>
+            </a:r>
+          </a:p>
+          <a:p>
+            <a:r>
+              <a:rPr lang="en-US" sz="2400" dirty="0"/>
+              <a:t>IdentityServer4 integration</a:t>
+            </a:r>
+          </a:p>
+          <a:p>
+            <a:r>
+              <a:rPr lang="en-US" sz="2400" dirty="0"/>
+              <a:t>Pre-built modules have been designed as microservice compatible.</a:t>
+            </a:r>
+          </a:p>
+        </p:txBody>
+      </p:sp>
+      <p:pic>
+        <p:nvPicPr>
+          <p:cNvPr id="4100" name="Picture 4" descr="microservice-sample-diagram-2">
+            <a:extLst>
+              <a:ext uri="{FF2B5EF4-FFF2-40B4-BE49-F238E27FC236}">
+                <a16:creationId xmlns:a16="http://schemas.microsoft.com/office/drawing/2014/main" id="{B20A510F-565F-40A2-8B66-5223C24B9D54}"/>
+              </a:ext>
+            </a:extLst>
+          </p:cNvPr>
+          <p:cNvPicPr>
+            <a:picLocks noChangeAspect="1" noChangeArrowheads="1"/>
+          </p:cNvPicPr>
+          <p:nvPr/>
+        </p:nvPicPr>
+        <p:blipFill>
+          <a:blip r:embed="rId3">
+            <a:extLst>
+              <a:ext uri="{28A0092B-C50C-407E-A947-70E740481C1C}">
+                <a14:useLocalDpi xmlns:a14="http://schemas.microsoft.com/office/drawing/2010/main" val="0"/>
+              </a:ext>
+            </a:extLst>
+          </a:blip>
+          <a:srcRect/>
+          <a:stretch>
+            <a:fillRect/>
+          </a:stretch>
+        </p:blipFill>
+        <p:spPr bwMode="auto">
+          <a:xfrm>
+            <a:off x="5724807" y="2480048"/>
+            <a:ext cx="6207213" cy="3252321"/>
+          </a:xfrm>
+          <a:prstGeom prst="rect">
+            <a:avLst/>
+          </a:prstGeom>
+          <a:noFill/>
+          <a:extLst>
+            <a:ext uri="{909E8E84-426E-40DD-AFC4-6F175D3DCCD1}">
+              <a14:hiddenFill xmlns:a14="http://schemas.microsoft.com/office/drawing/2010/main">
+                <a:solidFill>
+                  <a:srgbClr val="FFFFFF"/>
+                </a:solidFill>
+              </a14:hiddenFill>
+            </a:ext>
+          </a:extLst>
+        </p:spPr>
+      </p:pic>
+      <p:sp>
+        <p:nvSpPr>
+          <p:cNvPr id="3" name="Rectangle 2">
+            <a:extLst>
+              <a:ext uri="{FF2B5EF4-FFF2-40B4-BE49-F238E27FC236}">
+                <a16:creationId xmlns:a16="http://schemas.microsoft.com/office/drawing/2014/main" id="{2C1E3498-957F-45EF-88D8-DA777B7FF739}"/>
+              </a:ext>
+            </a:extLst>
+          </p:cNvPr>
+          <p:cNvSpPr/>
+          <p:nvPr/>
+        </p:nvSpPr>
+        <p:spPr>
+          <a:xfrm>
+            <a:off x="6123187" y="1825625"/>
+            <a:ext cx="5410455" cy="461665"/>
+          </a:xfrm>
+          <a:prstGeom prst="rect">
+            <a:avLst/>
+          </a:prstGeom>
+        </p:spPr>
+        <p:txBody>
+          <a:bodyPr wrap="none">
+            <a:spAutoFit/>
+          </a:bodyPr>
+          <a:lstStyle/>
+          <a:p>
+            <a:r>
+              <a:rPr lang="en-US" sz="2400" u="sng" dirty="0"/>
+              <a:t>A complete microservice solution sample!</a:t>
+            </a:r>
+          </a:p>
+        </p:txBody>
+      </p:sp>
+    </p:spTree>
+    <p:extLst>
+      <p:ext uri="{BB962C8B-B14F-4D97-AF65-F5344CB8AC3E}">
+        <p14:creationId xmlns:p14="http://schemas.microsoft.com/office/powerpoint/2010/main" val="3513994575"/>
+      </p:ext>
+    </p:extLst>
+  </p:cSld>
+  <p:clrMapOvr>
+    <a:masterClrMapping/>
+  </p:clrMapOvr>
+</p:sld>
+</file>
+
+<file path=ppt/slides/slide7.xml><?xml version="1.0" encoding="utf-8"?>
+<p:sld xmlns:a="http://schemas.openxmlformats.org/drawingml/2006/main" xmlns:r="http://schemas.openxmlformats.org/officeDocument/2006/relationships" xmlns:p="http://schemas.openxmlformats.org/presentationml/2006/main">
+  <p:cSld>
+    <p:spTree>
+      <p:nvGrpSpPr>
+        <p:cNvPr id="1" name=""/>
+        <p:cNvGrpSpPr/>
+        <p:nvPr/>
+      </p:nvGrpSpPr>
+      <p:grpSpPr>
+        <a:xfrm>
+          <a:off x="0" y="0"/>
+          <a:ext cx="0" cy="0"/>
+          <a:chOff x="0" y="0"/>
+          <a:chExt cx="0" cy="0"/>
+        </a:xfrm>
+      </p:grpSpPr>
+      <p:sp>
+        <p:nvSpPr>
+          <p:cNvPr id="2" name="Title 1">
+            <a:extLst>
+              <a:ext uri="{FF2B5EF4-FFF2-40B4-BE49-F238E27FC236}">
+                <a16:creationId xmlns:a16="http://schemas.microsoft.com/office/drawing/2014/main" id="{47950CF6-8856-4921-97FA-B962872BA69E}"/>
+              </a:ext>
+            </a:extLst>
+          </p:cNvPr>
+          <p:cNvSpPr>
+            <a:spLocks noGrp="1"/>
+          </p:cNvSpPr>
+          <p:nvPr>
+            <p:ph type="title"/>
+          </p:nvPr>
+        </p:nvSpPr>
+        <p:spPr>
+          <a:xfrm>
+            <a:off x="4138551" y="365125"/>
+            <a:ext cx="7529945" cy="1048039"/>
+          </a:xfrm>
+        </p:spPr>
+        <p:txBody>
+          <a:bodyPr>
+            <a:normAutofit/>
+          </a:bodyPr>
+          <a:lstStyle/>
+          <a:p>
+            <a:r>
+              <a:rPr lang="en-US" sz="3200" dirty="0"/>
+              <a:t>Architecture / Multi-Tenancy</a:t>
+            </a:r>
+          </a:p>
+        </p:txBody>
+      </p:sp>
+      <p:pic>
+        <p:nvPicPr>
+          <p:cNvPr id="6" name="Content Placeholder 5">
+            <a:extLst>
+              <a:ext uri="{FF2B5EF4-FFF2-40B4-BE49-F238E27FC236}">
+                <a16:creationId xmlns:a16="http://schemas.microsoft.com/office/drawing/2014/main" id="{83451317-A204-4729-A427-EBDB9F2FB993}"/>
+              </a:ext>
+            </a:extLst>
+          </p:cNvPr>
+          <p:cNvPicPr>
+            <a:picLocks noGrp="1" noChangeAspect="1"/>
+          </p:cNvPicPr>
+          <p:nvPr>
+            <p:ph idx="1"/>
+          </p:nvPr>
+        </p:nvPicPr>
+        <p:blipFill>
+          <a:blip r:embed="rId2">
+            <a:extLst>
+              <a:ext uri="{28A0092B-C50C-407E-A947-70E740481C1C}">
+                <a14:useLocalDpi xmlns:a14="http://schemas.microsoft.com/office/drawing/2010/main" val="0"/>
+              </a:ext>
+            </a:extLst>
+          </a:blip>
+          <a:stretch>
+            <a:fillRect/>
+          </a:stretch>
+        </p:blipFill>
+        <p:spPr>
+          <a:xfrm>
+            <a:off x="523504" y="483528"/>
+            <a:ext cx="3169722" cy="811232"/>
+          </a:xfrm>
+        </p:spPr>
+      </p:pic>
+      <p:sp>
+        <p:nvSpPr>
+          <p:cNvPr id="8" name="Content Placeholder 2">
+            <a:extLst>
+              <a:ext uri="{FF2B5EF4-FFF2-40B4-BE49-F238E27FC236}">
+                <a16:creationId xmlns:a16="http://schemas.microsoft.com/office/drawing/2014/main" id="{A92399CC-EFF6-4058-89C7-4D020BCBC9F2}"/>
+              </a:ext>
+            </a:extLst>
+          </p:cNvPr>
+          <p:cNvSpPr txBox="1">
+            <a:spLocks/>
+          </p:cNvSpPr>
+          <p:nvPr/>
+        </p:nvSpPr>
+        <p:spPr>
+          <a:xfrm>
+            <a:off x="523505" y="1825625"/>
+            <a:ext cx="6034178" cy="4351338"/>
+          </a:xfrm>
+          <a:prstGeom prst="rect">
+            <a:avLst/>
+          </a:prstGeom>
+        </p:spPr>
+        <p:txBody>
+          <a:bodyPr vert="horz" lIns="91440" tIns="45720" rIns="91440" bIns="45720" rtlCol="0">
+            <a:normAutofit/>
+          </a:bodyPr>
+          <a:lstStyle>
+            <a:lvl1pPr marL="228600" indent="-228600" algn="l" defTabSz="914400" rtl="0" eaLnBrk="1" latinLnBrk="0" hangingPunct="1">
+              <a:lnSpc>
+                <a:spcPct val="90000"/>
+              </a:lnSpc>
+              <a:spcBef>
+                <a:spcPts val="1000"/>
+              </a:spcBef>
+              <a:buFont typeface="Arial" panose="020B0604020202020204" pitchFamily="34" charset="0"/>
+              <a:buChar char="•"/>
+              <a:defRPr sz="2800" kern="1200">
+                <a:solidFill>
+                  <a:schemeClr val="tx1"/>
+                </a:solidFill>
+                <a:latin typeface="+mn-lt"/>
+                <a:ea typeface="+mn-ea"/>
+                <a:cs typeface="+mn-cs"/>
+              </a:defRPr>
+            </a:lvl1pPr>
+            <a:lvl2pPr marL="685800" indent="-228600" algn="l" defTabSz="914400" rtl="0" eaLnBrk="1" latinLnBrk="0" hangingPunct="1">
+              <a:lnSpc>
+                <a:spcPct val="90000"/>
+              </a:lnSpc>
+              <a:spcBef>
+                <a:spcPts val="500"/>
+              </a:spcBef>
+              <a:buFont typeface="Arial" panose="020B0604020202020204" pitchFamily="34" charset="0"/>
+              <a:buChar char="•"/>
+              <a:defRPr sz="2400" kern="1200">
+                <a:solidFill>
+                  <a:schemeClr val="tx1"/>
+                </a:solidFill>
+                <a:latin typeface="+mn-lt"/>
+                <a:ea typeface="+mn-ea"/>
+                <a:cs typeface="+mn-cs"/>
+              </a:defRPr>
+            </a:lvl2pPr>
+            <a:lvl3pPr marL="1143000" indent="-228600" algn="l" defTabSz="914400" rtl="0" eaLnBrk="1" latinLnBrk="0" hangingPunct="1">
+              <a:lnSpc>
+                <a:spcPct val="90000"/>
+              </a:lnSpc>
+              <a:spcBef>
+                <a:spcPts val="500"/>
+              </a:spcBef>
+              <a:buFont typeface="Arial" panose="020B0604020202020204" pitchFamily="34" charset="0"/>
+              <a:buChar char="•"/>
+              <a:defRPr sz="2000" kern="1200">
+                <a:solidFill>
+                  <a:schemeClr val="tx1"/>
+                </a:solidFill>
+                <a:latin typeface="+mn-lt"/>
+                <a:ea typeface="+mn-ea"/>
+                <a:cs typeface="+mn-cs"/>
+              </a:defRPr>
+            </a:lvl3pPr>
+            <a:lvl4pPr marL="1600200" indent="-228600" algn="l" defTabSz="914400" rtl="0" eaLnBrk="1" latinLnBrk="0" hangingPunct="1">
+              <a:lnSpc>
+                <a:spcPct val="90000"/>
+              </a:lnSpc>
+              <a:spcBef>
+                <a:spcPts val="500"/>
+              </a:spcBef>
+              <a:buFont typeface="Arial" panose="020B0604020202020204" pitchFamily="34" charset="0"/>
+              <a:buChar char="•"/>
+              <a:defRPr sz="1800" kern="1200">
+                <a:solidFill>
+                  <a:schemeClr val="tx1"/>
+                </a:solidFill>
+                <a:latin typeface="+mn-lt"/>
+                <a:ea typeface="+mn-ea"/>
+                <a:cs typeface="+mn-cs"/>
+              </a:defRPr>
+            </a:lvl4pPr>
+            <a:lvl5pPr marL="2057400" indent="-228600" algn="l" defTabSz="914400" rtl="0" eaLnBrk="1" latinLnBrk="0" hangingPunct="1">
+              <a:lnSpc>
+                <a:spcPct val="90000"/>
+              </a:lnSpc>
+              <a:spcBef>
+                <a:spcPts val="500"/>
+              </a:spcBef>
+              <a:buFont typeface="Arial" panose="020B0604020202020204" pitchFamily="34" charset="0"/>
+              <a:buChar char="•"/>
+              <a:defRPr sz="1800" kern="1200">
+                <a:solidFill>
+                  <a:schemeClr val="tx1"/>
+                </a:solidFill>
+                <a:latin typeface="+mn-lt"/>
+                <a:ea typeface="+mn-ea"/>
+                <a:cs typeface="+mn-cs"/>
+              </a:defRPr>
+            </a:lvl5pPr>
+            <a:lvl6pPr marL="2514600" indent="-228600" algn="l" defTabSz="914400" rtl="0" eaLnBrk="1" latinLnBrk="0" hangingPunct="1">
+              <a:lnSpc>
+                <a:spcPct val="90000"/>
+              </a:lnSpc>
+              <a:spcBef>
+                <a:spcPts val="500"/>
+              </a:spcBef>
+              <a:buFont typeface="Arial" panose="020B0604020202020204" pitchFamily="34" charset="0"/>
+              <a:buChar char="•"/>
+              <a:defRPr sz="1800" kern="1200">
+                <a:solidFill>
+                  <a:schemeClr val="tx1"/>
+                </a:solidFill>
+                <a:latin typeface="+mn-lt"/>
+                <a:ea typeface="+mn-ea"/>
+                <a:cs typeface="+mn-cs"/>
+              </a:defRPr>
+            </a:lvl6pPr>
+            <a:lvl7pPr marL="2971800" indent="-228600" algn="l" defTabSz="914400" rtl="0" eaLnBrk="1" latinLnBrk="0" hangingPunct="1">
+              <a:lnSpc>
+                <a:spcPct val="90000"/>
+              </a:lnSpc>
+              <a:spcBef>
+                <a:spcPts val="500"/>
+              </a:spcBef>
+              <a:buFont typeface="Arial" panose="020B0604020202020204" pitchFamily="34" charset="0"/>
+              <a:buChar char="•"/>
+              <a:defRPr sz="1800" kern="1200">
+                <a:solidFill>
+                  <a:schemeClr val="tx1"/>
+                </a:solidFill>
+                <a:latin typeface="+mn-lt"/>
+                <a:ea typeface="+mn-ea"/>
+                <a:cs typeface="+mn-cs"/>
+              </a:defRPr>
+            </a:lvl7pPr>
+            <a:lvl8pPr marL="3429000" indent="-228600" algn="l" defTabSz="914400" rtl="0" eaLnBrk="1" latinLnBrk="0" hangingPunct="1">
+              <a:lnSpc>
+                <a:spcPct val="90000"/>
+              </a:lnSpc>
+              <a:spcBef>
+                <a:spcPts val="500"/>
+              </a:spcBef>
+              <a:buFont typeface="Arial" panose="020B0604020202020204" pitchFamily="34" charset="0"/>
+              <a:buChar char="•"/>
+              <a:defRPr sz="1800" kern="1200">
+                <a:solidFill>
+                  <a:schemeClr val="tx1"/>
+                </a:solidFill>
+                <a:latin typeface="+mn-lt"/>
+                <a:ea typeface="+mn-ea"/>
+                <a:cs typeface="+mn-cs"/>
+              </a:defRPr>
+            </a:lvl8pPr>
+            <a:lvl9pPr marL="3886200" indent="-228600" algn="l" defTabSz="914400" rtl="0" eaLnBrk="1" latinLnBrk="0" hangingPunct="1">
+              <a:lnSpc>
+                <a:spcPct val="90000"/>
+              </a:lnSpc>
+              <a:spcBef>
+                <a:spcPts val="500"/>
+              </a:spcBef>
+              <a:buFont typeface="Arial" panose="020B0604020202020204" pitchFamily="34" charset="0"/>
+              <a:buChar char="•"/>
+              <a:defRPr sz="1800" kern="1200">
+                <a:solidFill>
+                  <a:schemeClr val="tx1"/>
+                </a:solidFill>
+                <a:latin typeface="+mn-lt"/>
+                <a:ea typeface="+mn-ea"/>
+                <a:cs typeface="+mn-cs"/>
+              </a:defRPr>
+            </a:lvl9pPr>
+          </a:lstStyle>
+          <a:p>
+            <a:r>
+              <a:rPr lang="en-US" sz="2400" dirty="0"/>
+              <a:t>Multi-tenant infrastructure</a:t>
+            </a:r>
+          </a:p>
+          <a:p>
+            <a:pPr lvl="1"/>
+            <a:r>
+              <a:rPr lang="en-US" sz="2000" dirty="0"/>
+              <a:t>Tenant determination, auto data isolation, dynamic database selection, tenant basis setting system… etc.</a:t>
+            </a:r>
+          </a:p>
+          <a:p>
+            <a:r>
+              <a:rPr lang="en-US" sz="2400" dirty="0"/>
+              <a:t>Multi-tenancy unaware applications!</a:t>
+            </a:r>
+          </a:p>
+          <a:p>
+            <a:r>
+              <a:rPr lang="en-US" sz="2400" dirty="0"/>
+              <a:t>Pre-built tenant management module to create and manage your tenants!</a:t>
+            </a:r>
+          </a:p>
+        </p:txBody>
+      </p:sp>
+      <p:pic>
+        <p:nvPicPr>
+          <p:cNvPr id="5124" name="Picture 4">
+            <a:extLst>
+              <a:ext uri="{FF2B5EF4-FFF2-40B4-BE49-F238E27FC236}">
+                <a16:creationId xmlns:a16="http://schemas.microsoft.com/office/drawing/2014/main" id="{9C91BE85-079C-4F58-BDCB-39F36D58BBF7}"/>
+              </a:ext>
+            </a:extLst>
+          </p:cNvPr>
+          <p:cNvPicPr>
+            <a:picLocks noChangeAspect="1" noChangeArrowheads="1"/>
+          </p:cNvPicPr>
+          <p:nvPr/>
+        </p:nvPicPr>
+        <p:blipFill>
+          <a:blip r:embed="rId3">
+            <a:extLst>
+              <a:ext uri="{28A0092B-C50C-407E-A947-70E740481C1C}">
+                <a14:useLocalDpi xmlns:a14="http://schemas.microsoft.com/office/drawing/2010/main" val="0"/>
+              </a:ext>
+            </a:extLst>
+          </a:blip>
+          <a:srcRect/>
+          <a:stretch>
+            <a:fillRect/>
+          </a:stretch>
+        </p:blipFill>
+        <p:spPr bwMode="auto">
+          <a:xfrm>
+            <a:off x="7318562" y="1978025"/>
+            <a:ext cx="4000500" cy="3257550"/>
+          </a:xfrm>
+          <a:prstGeom prst="rect">
+            <a:avLst/>
+          </a:prstGeom>
+          <a:noFill/>
+          <a:extLst>
+            <a:ext uri="{909E8E84-426E-40DD-AFC4-6F175D3DCCD1}">
+              <a14:hiddenFill xmlns:a14="http://schemas.microsoft.com/office/drawing/2010/main">
+                <a:solidFill>
+                  <a:srgbClr val="FFFFFF"/>
+                </a:solidFill>
+              </a14:hiddenFill>
+            </a:ext>
+          </a:extLst>
+        </p:spPr>
+      </p:pic>
+    </p:spTree>
+    <p:extLst>
+      <p:ext uri="{BB962C8B-B14F-4D97-AF65-F5344CB8AC3E}">
+        <p14:creationId xmlns:p14="http://schemas.microsoft.com/office/powerpoint/2010/main" val="4245675172"/>
+      </p:ext>
+    </p:extLst>
+  </p:cSld>
+  <p:clrMapOvr>
+    <a:masterClrMapping/>
+  </p:clrMapOvr>
+</p:sld>
+</file>
+
+<file path=ppt/slides/slide8.xml><?xml version="1.0" encoding="utf-8"?>
+<p:sld xmlns:a="http://schemas.openxmlformats.org/drawingml/2006/main" xmlns:r="http://schemas.openxmlformats.org/officeDocument/2006/relationships" xmlns:p="http://schemas.openxmlformats.org/presentationml/2006/main">
+  <p:cSld>
+    <p:spTree>
+      <p:nvGrpSpPr>
+        <p:cNvPr id="1" name=""/>
+        <p:cNvGrpSpPr/>
+        <p:nvPr/>
+      </p:nvGrpSpPr>
+      <p:grpSpPr>
+        <a:xfrm>
+          <a:off x="0" y="0"/>
+          <a:ext cx="0" cy="0"/>
+          <a:chOff x="0" y="0"/>
+          <a:chExt cx="0" cy="0"/>
+        </a:xfrm>
+      </p:grpSpPr>
+      <p:sp>
+        <p:nvSpPr>
+          <p:cNvPr id="2" name="Title 1">
+            <a:extLst>
+              <a:ext uri="{FF2B5EF4-FFF2-40B4-BE49-F238E27FC236}">
+                <a16:creationId xmlns:a16="http://schemas.microsoft.com/office/drawing/2014/main" id="{47950CF6-8856-4921-97FA-B962872BA69E}"/>
+              </a:ext>
+            </a:extLst>
+          </p:cNvPr>
+          <p:cNvSpPr>
+            <a:spLocks noGrp="1"/>
+          </p:cNvSpPr>
+          <p:nvPr>
+            <p:ph type="title"/>
+          </p:nvPr>
+        </p:nvSpPr>
+        <p:spPr>
+          <a:xfrm>
+            <a:off x="4138551" y="365125"/>
+            <a:ext cx="7529945" cy="1048039"/>
+          </a:xfrm>
+        </p:spPr>
+        <p:txBody>
+          <a:bodyPr>
+            <a:normAutofit/>
+          </a:bodyPr>
+          <a:lstStyle/>
+          <a:p>
+            <a:r>
+              <a:rPr lang="en-US" sz="3200" dirty="0"/>
+              <a:t>ASP.NET Boilerplate vs ABP.IO</a:t>
+            </a:r>
+          </a:p>
+        </p:txBody>
+      </p:sp>
+      <p:pic>
+        <p:nvPicPr>
+          <p:cNvPr id="6" name="Content Placeholder 5">
+            <a:extLst>
+              <a:ext uri="{FF2B5EF4-FFF2-40B4-BE49-F238E27FC236}">
+                <a16:creationId xmlns:a16="http://schemas.microsoft.com/office/drawing/2014/main" id="{83451317-A204-4729-A427-EBDB9F2FB993}"/>
+              </a:ext>
+            </a:extLst>
+          </p:cNvPr>
+          <p:cNvPicPr>
+            <a:picLocks noGrp="1" noChangeAspect="1"/>
+          </p:cNvPicPr>
+          <p:nvPr>
+            <p:ph idx="1"/>
+          </p:nvPr>
+        </p:nvPicPr>
+        <p:blipFill>
+          <a:blip r:embed="rId2">
+            <a:extLst>
+              <a:ext uri="{28A0092B-C50C-407E-A947-70E740481C1C}">
+                <a14:useLocalDpi xmlns:a14="http://schemas.microsoft.com/office/drawing/2010/main" val="0"/>
+              </a:ext>
+            </a:extLst>
+          </a:blip>
+          <a:stretch>
+            <a:fillRect/>
+          </a:stretch>
+        </p:blipFill>
+        <p:spPr>
+          <a:xfrm>
+            <a:off x="523504" y="483528"/>
+            <a:ext cx="3169722" cy="811232"/>
+          </a:xfrm>
+        </p:spPr>
+      </p:pic>
+      <p:sp>
+        <p:nvSpPr>
+          <p:cNvPr id="8" name="Content Placeholder 2">
+            <a:extLst>
+              <a:ext uri="{FF2B5EF4-FFF2-40B4-BE49-F238E27FC236}">
+                <a16:creationId xmlns:a16="http://schemas.microsoft.com/office/drawing/2014/main" id="{A92399CC-EFF6-4058-89C7-4D020BCBC9F2}"/>
+              </a:ext>
+            </a:extLst>
+          </p:cNvPr>
+          <p:cNvSpPr txBox="1">
+            <a:spLocks/>
+          </p:cNvSpPr>
+          <p:nvPr/>
+        </p:nvSpPr>
+        <p:spPr>
+          <a:xfrm>
+            <a:off x="523504" y="1825625"/>
+            <a:ext cx="5257800" cy="1603375"/>
+          </a:xfrm>
+          <a:prstGeom prst="rect">
+            <a:avLst/>
+          </a:prstGeom>
+        </p:spPr>
+        <p:txBody>
+          <a:bodyPr vert="horz" lIns="91440" tIns="45720" rIns="91440" bIns="45720" rtlCol="0">
+            <a:normAutofit/>
+          </a:bodyPr>
+          <a:lstStyle>
+            <a:lvl1pPr marL="228600" indent="-228600" algn="l" defTabSz="914400" rtl="0" eaLnBrk="1" latinLnBrk="0" hangingPunct="1">
+              <a:lnSpc>
+                <a:spcPct val="90000"/>
+              </a:lnSpc>
+              <a:spcBef>
+                <a:spcPts val="1000"/>
+              </a:spcBef>
+              <a:buFont typeface="Arial" panose="020B0604020202020204" pitchFamily="34" charset="0"/>
+              <a:buChar char="•"/>
+              <a:defRPr sz="2800" kern="1200">
+                <a:solidFill>
+                  <a:schemeClr val="tx1"/>
+                </a:solidFill>
+                <a:latin typeface="+mn-lt"/>
+                <a:ea typeface="+mn-ea"/>
+                <a:cs typeface="+mn-cs"/>
+              </a:defRPr>
+            </a:lvl1pPr>
+            <a:lvl2pPr marL="685800" indent="-228600" algn="l" defTabSz="914400" rtl="0" eaLnBrk="1" latinLnBrk="0" hangingPunct="1">
+              <a:lnSpc>
+                <a:spcPct val="90000"/>
+              </a:lnSpc>
+              <a:spcBef>
+                <a:spcPts val="500"/>
+              </a:spcBef>
+              <a:buFont typeface="Arial" panose="020B0604020202020204" pitchFamily="34" charset="0"/>
+              <a:buChar char="•"/>
+              <a:defRPr sz="2400" kern="1200">
+                <a:solidFill>
+                  <a:schemeClr val="tx1"/>
+                </a:solidFill>
+                <a:latin typeface="+mn-lt"/>
+                <a:ea typeface="+mn-ea"/>
+                <a:cs typeface="+mn-cs"/>
+              </a:defRPr>
+            </a:lvl2pPr>
+            <a:lvl3pPr marL="1143000" indent="-228600" algn="l" defTabSz="914400" rtl="0" eaLnBrk="1" latinLnBrk="0" hangingPunct="1">
+              <a:lnSpc>
+                <a:spcPct val="90000"/>
+              </a:lnSpc>
+              <a:spcBef>
+                <a:spcPts val="500"/>
+              </a:spcBef>
+              <a:buFont typeface="Arial" panose="020B0604020202020204" pitchFamily="34" charset="0"/>
+              <a:buChar char="•"/>
+              <a:defRPr sz="2000" kern="1200">
+                <a:solidFill>
+                  <a:schemeClr val="tx1"/>
+                </a:solidFill>
+                <a:latin typeface="+mn-lt"/>
+                <a:ea typeface="+mn-ea"/>
+                <a:cs typeface="+mn-cs"/>
+              </a:defRPr>
+            </a:lvl3pPr>
+            <a:lvl4pPr marL="1600200" indent="-228600" algn="l" defTabSz="914400" rtl="0" eaLnBrk="1" latinLnBrk="0" hangingPunct="1">
+              <a:lnSpc>
+                <a:spcPct val="90000"/>
+              </a:lnSpc>
+              <a:spcBef>
+                <a:spcPts val="500"/>
+              </a:spcBef>
+              <a:buFont typeface="Arial" panose="020B0604020202020204" pitchFamily="34" charset="0"/>
+              <a:buChar char="•"/>
+              <a:defRPr sz="1800" kern="1200">
+                <a:solidFill>
+                  <a:schemeClr val="tx1"/>
+                </a:solidFill>
+                <a:latin typeface="+mn-lt"/>
+                <a:ea typeface="+mn-ea"/>
+                <a:cs typeface="+mn-cs"/>
+              </a:defRPr>
+            </a:lvl4pPr>
+            <a:lvl5pPr marL="2057400" indent="-228600" algn="l" defTabSz="914400" rtl="0" eaLnBrk="1" latinLnBrk="0" hangingPunct="1">
+              <a:lnSpc>
+                <a:spcPct val="90000"/>
+              </a:lnSpc>
+              <a:spcBef>
+                <a:spcPts val="500"/>
+              </a:spcBef>
+              <a:buFont typeface="Arial" panose="020B0604020202020204" pitchFamily="34" charset="0"/>
+              <a:buChar char="•"/>
+              <a:defRPr sz="1800" kern="1200">
+                <a:solidFill>
+                  <a:schemeClr val="tx1"/>
+                </a:solidFill>
+                <a:latin typeface="+mn-lt"/>
+                <a:ea typeface="+mn-ea"/>
+                <a:cs typeface="+mn-cs"/>
+              </a:defRPr>
+            </a:lvl5pPr>
+            <a:lvl6pPr marL="2514600" indent="-228600" algn="l" defTabSz="914400" rtl="0" eaLnBrk="1" latinLnBrk="0" hangingPunct="1">
+              <a:lnSpc>
+                <a:spcPct val="90000"/>
+              </a:lnSpc>
+              <a:spcBef>
+                <a:spcPts val="500"/>
+              </a:spcBef>
+              <a:buFont typeface="Arial" panose="020B0604020202020204" pitchFamily="34" charset="0"/>
+              <a:buChar char="•"/>
+              <a:defRPr sz="1800" kern="1200">
+                <a:solidFill>
+                  <a:schemeClr val="tx1"/>
+                </a:solidFill>
+                <a:latin typeface="+mn-lt"/>
+                <a:ea typeface="+mn-ea"/>
+                <a:cs typeface="+mn-cs"/>
+              </a:defRPr>
+            </a:lvl6pPr>
+            <a:lvl7pPr marL="2971800" indent="-228600" algn="l" defTabSz="914400" rtl="0" eaLnBrk="1" latinLnBrk="0" hangingPunct="1">
+              <a:lnSpc>
+                <a:spcPct val="90000"/>
+              </a:lnSpc>
+              <a:spcBef>
+                <a:spcPts val="500"/>
+              </a:spcBef>
+              <a:buFont typeface="Arial" panose="020B0604020202020204" pitchFamily="34" charset="0"/>
+              <a:buChar char="•"/>
+              <a:defRPr sz="1800" kern="1200">
+                <a:solidFill>
+                  <a:schemeClr val="tx1"/>
+                </a:solidFill>
+                <a:latin typeface="+mn-lt"/>
+                <a:ea typeface="+mn-ea"/>
+                <a:cs typeface="+mn-cs"/>
+              </a:defRPr>
+            </a:lvl7pPr>
+            <a:lvl8pPr marL="3429000" indent="-228600" algn="l" defTabSz="914400" rtl="0" eaLnBrk="1" latinLnBrk="0" hangingPunct="1">
+              <a:lnSpc>
+                <a:spcPct val="90000"/>
+              </a:lnSpc>
+              <a:spcBef>
+                <a:spcPts val="500"/>
+              </a:spcBef>
+              <a:buFont typeface="Arial" panose="020B0604020202020204" pitchFamily="34" charset="0"/>
+              <a:buChar char="•"/>
+              <a:defRPr sz="1800" kern="1200">
+                <a:solidFill>
+                  <a:schemeClr val="tx1"/>
+                </a:solidFill>
+                <a:latin typeface="+mn-lt"/>
+                <a:ea typeface="+mn-ea"/>
+                <a:cs typeface="+mn-cs"/>
+              </a:defRPr>
+            </a:lvl8pPr>
+            <a:lvl9pPr marL="3886200" indent="-228600" algn="l" defTabSz="914400" rtl="0" eaLnBrk="1" latinLnBrk="0" hangingPunct="1">
+              <a:lnSpc>
+                <a:spcPct val="90000"/>
+              </a:lnSpc>
+              <a:spcBef>
+                <a:spcPts val="500"/>
+              </a:spcBef>
+              <a:buFont typeface="Arial" panose="020B0604020202020204" pitchFamily="34" charset="0"/>
+              <a:buChar char="•"/>
+              <a:defRPr sz="1800" kern="1200">
+                <a:solidFill>
+                  <a:schemeClr val="tx1"/>
+                </a:solidFill>
+                <a:latin typeface="+mn-lt"/>
+                <a:ea typeface="+mn-ea"/>
+                <a:cs typeface="+mn-cs"/>
+              </a:defRPr>
+            </a:lvl9pPr>
+          </a:lstStyle>
+          <a:p>
+            <a:r>
+              <a:rPr lang="en-US" sz="2400" dirty="0"/>
+              <a:t>6 years of continuous development</a:t>
+            </a:r>
+          </a:p>
+          <a:p>
+            <a:r>
+              <a:rPr lang="en-US" sz="2400" dirty="0"/>
+              <a:t>7,000+ stars on GitHub</a:t>
+            </a:r>
+          </a:p>
+          <a:p>
+            <a:r>
+              <a:rPr lang="en-US" sz="2400" dirty="0"/>
+              <a:t>1,5M downloads on NuGet</a:t>
+            </a:r>
+          </a:p>
+        </p:txBody>
+      </p:sp>
+      <p:pic>
+        <p:nvPicPr>
+          <p:cNvPr id="5" name="Picture 4">
+            <a:extLst>
+              <a:ext uri="{FF2B5EF4-FFF2-40B4-BE49-F238E27FC236}">
+                <a16:creationId xmlns:a16="http://schemas.microsoft.com/office/drawing/2014/main" id="{AD7B140F-EDD7-4A49-8924-889C64B5A980}"/>
+              </a:ext>
+            </a:extLst>
+          </p:cNvPr>
+          <p:cNvPicPr>
+            <a:picLocks noChangeAspect="1"/>
+          </p:cNvPicPr>
+          <p:nvPr/>
+        </p:nvPicPr>
+        <p:blipFill>
+          <a:blip r:embed="rId3"/>
+          <a:stretch>
+            <a:fillRect/>
+          </a:stretch>
+        </p:blipFill>
+        <p:spPr>
+          <a:xfrm>
+            <a:off x="7246097" y="4555851"/>
+            <a:ext cx="2114097" cy="1934632"/>
+          </a:xfrm>
+          <a:prstGeom prst="rect">
+            <a:avLst/>
+          </a:prstGeom>
+        </p:spPr>
+      </p:pic>
+      <p:pic>
+        <p:nvPicPr>
+          <p:cNvPr id="7" name="Picture 6">
+            <a:extLst>
+              <a:ext uri="{FF2B5EF4-FFF2-40B4-BE49-F238E27FC236}">
+                <a16:creationId xmlns:a16="http://schemas.microsoft.com/office/drawing/2014/main" id="{39737CC4-4E05-4288-B27B-94D7F937303C}"/>
+              </a:ext>
+            </a:extLst>
+          </p:cNvPr>
+          <p:cNvPicPr>
+            <a:picLocks noChangeAspect="1"/>
+          </p:cNvPicPr>
+          <p:nvPr/>
+        </p:nvPicPr>
+        <p:blipFill>
+          <a:blip r:embed="rId4"/>
+          <a:stretch>
+            <a:fillRect/>
+          </a:stretch>
+        </p:blipFill>
+        <p:spPr>
+          <a:xfrm>
+            <a:off x="9481016" y="4555851"/>
+            <a:ext cx="2433077" cy="1931573"/>
+          </a:xfrm>
+          <a:prstGeom prst="rect">
+            <a:avLst/>
+          </a:prstGeom>
+        </p:spPr>
+      </p:pic>
+      <p:pic>
+        <p:nvPicPr>
+          <p:cNvPr id="9" name="Picture 8">
+            <a:extLst>
+              <a:ext uri="{FF2B5EF4-FFF2-40B4-BE49-F238E27FC236}">
+                <a16:creationId xmlns:a16="http://schemas.microsoft.com/office/drawing/2014/main" id="{68E0082A-38E1-4DE4-ACC6-A5E5ED32F799}"/>
+              </a:ext>
+            </a:extLst>
+          </p:cNvPr>
+          <p:cNvPicPr>
+            <a:picLocks noChangeAspect="1"/>
+          </p:cNvPicPr>
+          <p:nvPr/>
+        </p:nvPicPr>
+        <p:blipFill>
+          <a:blip r:embed="rId5"/>
+          <a:stretch>
+            <a:fillRect/>
+          </a:stretch>
+        </p:blipFill>
+        <p:spPr>
+          <a:xfrm>
+            <a:off x="5607424" y="1825625"/>
+            <a:ext cx="6306669" cy="2569758"/>
+          </a:xfrm>
+          <a:prstGeom prst="rect">
+            <a:avLst/>
+          </a:prstGeom>
+        </p:spPr>
+      </p:pic>
+      <p:pic>
+        <p:nvPicPr>
+          <p:cNvPr id="10" name="Picture 9">
+            <a:extLst>
+              <a:ext uri="{FF2B5EF4-FFF2-40B4-BE49-F238E27FC236}">
+                <a16:creationId xmlns:a16="http://schemas.microsoft.com/office/drawing/2014/main" id="{036D928F-E465-4C0B-A451-10CE3BABB944}"/>
+              </a:ext>
+            </a:extLst>
+          </p:cNvPr>
+          <p:cNvPicPr>
+            <a:picLocks noChangeAspect="1"/>
+          </p:cNvPicPr>
+          <p:nvPr/>
+        </p:nvPicPr>
+        <p:blipFill>
+          <a:blip r:embed="rId6"/>
+          <a:stretch>
+            <a:fillRect/>
+          </a:stretch>
+        </p:blipFill>
+        <p:spPr>
+          <a:xfrm>
+            <a:off x="523504" y="5066350"/>
+            <a:ext cx="2180276" cy="995814"/>
+          </a:xfrm>
+          <a:prstGeom prst="rect">
+            <a:avLst/>
+          </a:prstGeom>
+        </p:spPr>
+      </p:pic>
+      <p:pic>
+        <p:nvPicPr>
+          <p:cNvPr id="11" name="Picture 10">
+            <a:extLst>
+              <a:ext uri="{FF2B5EF4-FFF2-40B4-BE49-F238E27FC236}">
+                <a16:creationId xmlns:a16="http://schemas.microsoft.com/office/drawing/2014/main" id="{51F53552-070F-44D1-B2D1-FED6A6C57D32}"/>
+              </a:ext>
+            </a:extLst>
+          </p:cNvPr>
+          <p:cNvPicPr>
+            <a:picLocks noChangeAspect="1"/>
+          </p:cNvPicPr>
+          <p:nvPr/>
+        </p:nvPicPr>
+        <p:blipFill>
+          <a:blip r:embed="rId7">
+            <a:extLst>
+              <a:ext uri="{28A0092B-C50C-407E-A947-70E740481C1C}">
+                <a14:useLocalDpi xmlns:a14="http://schemas.microsoft.com/office/drawing/2010/main" val="0"/>
+              </a:ext>
+            </a:extLst>
+          </a:blip>
+          <a:stretch>
+            <a:fillRect/>
+          </a:stretch>
+        </p:blipFill>
+        <p:spPr>
+          <a:xfrm>
+            <a:off x="4124792" y="5140089"/>
+            <a:ext cx="2464265" cy="848336"/>
+          </a:xfrm>
+          <a:prstGeom prst="rect">
+            <a:avLst/>
+          </a:prstGeom>
+        </p:spPr>
+      </p:pic>
+      <p:cxnSp>
+        <p:nvCxnSpPr>
+          <p:cNvPr id="13" name="Straight Arrow Connector 12">
+            <a:extLst>
+              <a:ext uri="{FF2B5EF4-FFF2-40B4-BE49-F238E27FC236}">
+                <a16:creationId xmlns:a16="http://schemas.microsoft.com/office/drawing/2014/main" id="{B3DFC689-30D0-4E10-8902-8757CE0A9D27}"/>
+              </a:ext>
+            </a:extLst>
+          </p:cNvPr>
+          <p:cNvCxnSpPr>
+            <a:cxnSpLocks/>
+          </p:cNvCxnSpPr>
+          <p:nvPr/>
+        </p:nvCxnSpPr>
+        <p:spPr>
+          <a:xfrm>
+            <a:off x="2730673" y="5564257"/>
+            <a:ext cx="1349297" cy="0"/>
+          </a:xfrm>
+          <a:prstGeom prst="straightConnector1">
+            <a:avLst/>
+          </a:prstGeom>
+          <a:ln w="127000">
+            <a:solidFill>
+              <a:schemeClr val="accent6"/>
+            </a:solidFill>
+            <a:tailEnd type="triangle"/>
+          </a:ln>
+        </p:spPr>
+        <p:style>
+          <a:lnRef idx="1">
+            <a:schemeClr val="accent1"/>
+          </a:lnRef>
+          <a:fillRef idx="0">
+            <a:schemeClr val="accent1"/>
+          </a:fillRef>
+          <a:effectRef idx="0">
+            <a:schemeClr val="accent1"/>
+          </a:effectRef>
+          <a:fontRef idx="minor">
+            <a:schemeClr val="tx1"/>
+          </a:fontRef>
+        </p:style>
+      </p:cxnSp>
+    </p:spTree>
+    <p:extLst>
+      <p:ext uri="{BB962C8B-B14F-4D97-AF65-F5344CB8AC3E}">
+        <p14:creationId xmlns:p14="http://schemas.microsoft.com/office/powerpoint/2010/main" val="2248101778"/>
+      </p:ext>
+    </p:extLst>
+  </p:cSld>
+  <p:clrMapOvr>
+    <a:masterClrMapping/>
+  </p:clrMapOvr>
+</p:sld>
+</file>
+
+<file path=ppt/slides/slide9.xml><?xml version="1.0" encoding="utf-8"?>
+<p:sld xmlns:a="http://schemas.openxmlformats.org/drawingml/2006/main" xmlns:r="http://schemas.openxmlformats.org/officeDocument/2006/relationships" xmlns:p="http://schemas.openxmlformats.org/presentationml/2006/main">
+  <p:cSld>
+    <p:spTree>
+      <p:nvGrpSpPr>
+        <p:cNvPr id="1" name=""/>
+        <p:cNvGrpSpPr/>
+        <p:nvPr/>
+      </p:nvGrpSpPr>
+      <p:grpSpPr>
+        <a:xfrm>
+          <a:off x="0" y="0"/>
+          <a:ext cx="0" cy="0"/>
+          <a:chOff x="0" y="0"/>
+          <a:chExt cx="0" cy="0"/>
+        </a:xfrm>
+      </p:grpSpPr>
+      <p:sp>
+        <p:nvSpPr>
+          <p:cNvPr id="2" name="Title 1">
+            <a:extLst>
+              <a:ext uri="{FF2B5EF4-FFF2-40B4-BE49-F238E27FC236}">
+                <a16:creationId xmlns:a16="http://schemas.microsoft.com/office/drawing/2014/main" id="{47950CF6-8856-4921-97FA-B962872BA69E}"/>
+              </a:ext>
+            </a:extLst>
+          </p:cNvPr>
+          <p:cNvSpPr>
+            <a:spLocks noGrp="1"/>
+          </p:cNvSpPr>
+          <p:nvPr>
+            <p:ph type="title"/>
+          </p:nvPr>
+        </p:nvSpPr>
+        <p:spPr>
+          <a:xfrm>
+            <a:off x="4138551" y="365125"/>
+            <a:ext cx="7529945" cy="1048039"/>
+          </a:xfrm>
+        </p:spPr>
+        <p:txBody>
+          <a:bodyPr>
+            <a:normAutofit/>
+          </a:bodyPr>
+          <a:lstStyle/>
+          <a:p>
+            <a:r>
+              <a:rPr lang="en-US" sz="3200" dirty="0"/>
+              <a:t>Create a new project!</a:t>
+            </a:r>
+          </a:p>
+        </p:txBody>
+      </p:sp>
+      <p:pic>
+        <p:nvPicPr>
+          <p:cNvPr id="6" name="Content Placeholder 5">
+            <a:extLst>
+              <a:ext uri="{FF2B5EF4-FFF2-40B4-BE49-F238E27FC236}">
+                <a16:creationId xmlns:a16="http://schemas.microsoft.com/office/drawing/2014/main" id="{83451317-A204-4729-A427-EBDB9F2FB993}"/>
+              </a:ext>
+            </a:extLst>
+          </p:cNvPr>
+          <p:cNvPicPr>
+            <a:picLocks noGrp="1" noChangeAspect="1"/>
+          </p:cNvPicPr>
+          <p:nvPr>
+            <p:ph idx="1"/>
+          </p:nvPr>
+        </p:nvPicPr>
+        <p:blipFill>
+          <a:blip r:embed="rId2">
+            <a:extLst>
+              <a:ext uri="{28A0092B-C50C-407E-A947-70E740481C1C}">
+                <a14:useLocalDpi xmlns:a14="http://schemas.microsoft.com/office/drawing/2010/main" val="0"/>
+              </a:ext>
+            </a:extLst>
+          </a:blip>
+          <a:stretch>
+            <a:fillRect/>
+          </a:stretch>
+        </p:blipFill>
+        <p:spPr>
+          <a:xfrm>
+            <a:off x="523504" y="483528"/>
+            <a:ext cx="3169722" cy="811232"/>
+          </a:xfrm>
+        </p:spPr>
+      </p:pic>
+      <p:sp>
+        <p:nvSpPr>
+          <p:cNvPr id="8" name="Content Placeholder 2">
+            <a:extLst>
+              <a:ext uri="{FF2B5EF4-FFF2-40B4-BE49-F238E27FC236}">
+                <a16:creationId xmlns:a16="http://schemas.microsoft.com/office/drawing/2014/main" id="{A92399CC-EFF6-4058-89C7-4D020BCBC9F2}"/>
+              </a:ext>
+            </a:extLst>
+          </p:cNvPr>
+          <p:cNvSpPr txBox="1">
+            <a:spLocks/>
+          </p:cNvSpPr>
+          <p:nvPr/>
+        </p:nvSpPr>
+        <p:spPr>
+          <a:xfrm>
+            <a:off x="838200" y="2492189"/>
+            <a:ext cx="10830296" cy="3684774"/>
+          </a:xfrm>
+          <a:prstGeom prst="rect">
+            <a:avLst/>
+          </a:prstGeom>
+        </p:spPr>
+        <p:txBody>
+          <a:bodyPr vert="horz" lIns="91440" tIns="45720" rIns="91440" bIns="45720" rtlCol="0">
+            <a:normAutofit/>
+          </a:bodyPr>
+          <a:lstStyle>
+            <a:lvl1pPr marL="228600" indent="-228600" algn="l" defTabSz="914400" rtl="0" eaLnBrk="1" latinLnBrk="0" hangingPunct="1">
+              <a:lnSpc>
+                <a:spcPct val="90000"/>
+              </a:lnSpc>
+              <a:spcBef>
+                <a:spcPts val="1000"/>
+              </a:spcBef>
+              <a:buFont typeface="Arial" panose="020B0604020202020204" pitchFamily="34" charset="0"/>
+              <a:buChar char="•"/>
+              <a:defRPr sz="2800" kern="1200">
+                <a:solidFill>
+                  <a:schemeClr val="tx1"/>
+                </a:solidFill>
+                <a:latin typeface="+mn-lt"/>
+                <a:ea typeface="+mn-ea"/>
+                <a:cs typeface="+mn-cs"/>
+              </a:defRPr>
+            </a:lvl1pPr>
+            <a:lvl2pPr marL="685800" indent="-228600" algn="l" defTabSz="914400" rtl="0" eaLnBrk="1" latinLnBrk="0" hangingPunct="1">
+              <a:lnSpc>
+                <a:spcPct val="90000"/>
+              </a:lnSpc>
+              <a:spcBef>
+                <a:spcPts val="500"/>
+              </a:spcBef>
+              <a:buFont typeface="Arial" panose="020B0604020202020204" pitchFamily="34" charset="0"/>
+              <a:buChar char="•"/>
+              <a:defRPr sz="2400" kern="1200">
+                <a:solidFill>
+                  <a:schemeClr val="tx1"/>
+                </a:solidFill>
+                <a:latin typeface="+mn-lt"/>
+                <a:ea typeface="+mn-ea"/>
+                <a:cs typeface="+mn-cs"/>
+              </a:defRPr>
+            </a:lvl2pPr>
+            <a:lvl3pPr marL="1143000" indent="-228600" algn="l" defTabSz="914400" rtl="0" eaLnBrk="1" latinLnBrk="0" hangingPunct="1">
+              <a:lnSpc>
+                <a:spcPct val="90000"/>
+              </a:lnSpc>
+              <a:spcBef>
+                <a:spcPts val="500"/>
+              </a:spcBef>
+              <a:buFont typeface="Arial" panose="020B0604020202020204" pitchFamily="34" charset="0"/>
+              <a:buChar char="•"/>
+              <a:defRPr sz="2000" kern="1200">
+                <a:solidFill>
+                  <a:schemeClr val="tx1"/>
+                </a:solidFill>
+                <a:latin typeface="+mn-lt"/>
+                <a:ea typeface="+mn-ea"/>
+                <a:cs typeface="+mn-cs"/>
+              </a:defRPr>
+            </a:lvl3pPr>
+            <a:lvl4pPr marL="1600200" indent="-228600" algn="l" defTabSz="914400" rtl="0" eaLnBrk="1" latinLnBrk="0" hangingPunct="1">
+              <a:lnSpc>
+                <a:spcPct val="90000"/>
+              </a:lnSpc>
+              <a:spcBef>
+                <a:spcPts val="500"/>
+              </a:spcBef>
+              <a:buFont typeface="Arial" panose="020B0604020202020204" pitchFamily="34" charset="0"/>
+              <a:buChar char="•"/>
+              <a:defRPr sz="1800" kern="1200">
+                <a:solidFill>
+                  <a:schemeClr val="tx1"/>
+                </a:solidFill>
+                <a:latin typeface="+mn-lt"/>
+                <a:ea typeface="+mn-ea"/>
+                <a:cs typeface="+mn-cs"/>
+              </a:defRPr>
+            </a:lvl4pPr>
+            <a:lvl5pPr marL="2057400" indent="-228600" algn="l" defTabSz="914400" rtl="0" eaLnBrk="1" latinLnBrk="0" hangingPunct="1">
+              <a:lnSpc>
+                <a:spcPct val="90000"/>
+              </a:lnSpc>
+              <a:spcBef>
+                <a:spcPts val="500"/>
+              </a:spcBef>
+              <a:buFont typeface="Arial" panose="020B0604020202020204" pitchFamily="34" charset="0"/>
+              <a:buChar char="•"/>
+              <a:defRPr sz="1800" kern="1200">
+                <a:solidFill>
+                  <a:schemeClr val="tx1"/>
+                </a:solidFill>
+                <a:latin typeface="+mn-lt"/>
+                <a:ea typeface="+mn-ea"/>
+                <a:cs typeface="+mn-cs"/>
+              </a:defRPr>
+            </a:lvl5pPr>
+            <a:lvl6pPr marL="2514600" indent="-228600" algn="l" defTabSz="914400" rtl="0" eaLnBrk="1" latinLnBrk="0" hangingPunct="1">
+              <a:lnSpc>
+                <a:spcPct val="90000"/>
+              </a:lnSpc>
+              <a:spcBef>
+                <a:spcPts val="500"/>
+              </a:spcBef>
+              <a:buFont typeface="Arial" panose="020B0604020202020204" pitchFamily="34" charset="0"/>
+              <a:buChar char="•"/>
+              <a:defRPr sz="1800" kern="1200">
+                <a:solidFill>
+                  <a:schemeClr val="tx1"/>
+                </a:solidFill>
+                <a:latin typeface="+mn-lt"/>
+                <a:ea typeface="+mn-ea"/>
+                <a:cs typeface="+mn-cs"/>
+              </a:defRPr>
+            </a:lvl6pPr>
+            <a:lvl7pPr marL="2971800" indent="-228600" algn="l" defTabSz="914400" rtl="0" eaLnBrk="1" latinLnBrk="0" hangingPunct="1">
+              <a:lnSpc>
+                <a:spcPct val="90000"/>
+              </a:lnSpc>
+              <a:spcBef>
+                <a:spcPts val="500"/>
+              </a:spcBef>
+              <a:buFont typeface="Arial" panose="020B0604020202020204" pitchFamily="34" charset="0"/>
+              <a:buChar char="•"/>
+              <a:defRPr sz="1800" kern="1200">
+                <a:solidFill>
+                  <a:schemeClr val="tx1"/>
+                </a:solidFill>
+                <a:latin typeface="+mn-lt"/>
+                <a:ea typeface="+mn-ea"/>
+                <a:cs typeface="+mn-cs"/>
+              </a:defRPr>
+            </a:lvl7pPr>
+            <a:lvl8pPr marL="3429000" indent="-228600" algn="l" defTabSz="914400" rtl="0" eaLnBrk="1" latinLnBrk="0" hangingPunct="1">
+              <a:lnSpc>
+                <a:spcPct val="90000"/>
+              </a:lnSpc>
+              <a:spcBef>
+                <a:spcPts val="500"/>
+              </a:spcBef>
+              <a:buFont typeface="Arial" panose="020B0604020202020204" pitchFamily="34" charset="0"/>
+              <a:buChar char="•"/>
+              <a:defRPr sz="1800" kern="1200">
+                <a:solidFill>
+                  <a:schemeClr val="tx1"/>
+                </a:solidFill>
+                <a:latin typeface="+mn-lt"/>
+                <a:ea typeface="+mn-ea"/>
+                <a:cs typeface="+mn-cs"/>
+              </a:defRPr>
+            </a:lvl8pPr>
+            <a:lvl9pPr marL="3886200" indent="-228600" algn="l" defTabSz="914400" rtl="0" eaLnBrk="1" latinLnBrk="0" hangingPunct="1">
+              <a:lnSpc>
+                <a:spcPct val="90000"/>
+              </a:lnSpc>
+              <a:spcBef>
+                <a:spcPts val="500"/>
+              </a:spcBef>
+              <a:buFont typeface="Arial" panose="020B0604020202020204" pitchFamily="34" charset="0"/>
+              <a:buChar char="•"/>
+              <a:defRPr sz="1800" kern="1200">
+                <a:solidFill>
+                  <a:schemeClr val="tx1"/>
+                </a:solidFill>
+                <a:latin typeface="+mn-lt"/>
+                <a:ea typeface="+mn-ea"/>
+                <a:cs typeface="+mn-cs"/>
+              </a:defRPr>
+            </a:lvl9pPr>
+          </a:lstStyle>
+          <a:p>
+            <a:pPr marL="0" indent="0" algn="ctr">
+              <a:buNone/>
+            </a:pPr>
+            <a:r>
+              <a:rPr lang="en-US" sz="10000" dirty="0"/>
+              <a:t>DEMO!</a:t>
+            </a:r>
+          </a:p>
+        </p:txBody>
+      </p:sp>
+    </p:spTree>
+    <p:extLst>
+      <p:ext uri="{BB962C8B-B14F-4D97-AF65-F5344CB8AC3E}">
+        <p14:creationId xmlns:p14="http://schemas.microsoft.com/office/powerpoint/2010/main" val="1345834987"/>
       </p:ext>
     </p:extLst>
   </p:cSld>
